--- a/ppts/notes/ch_5.pptx
+++ b/ppts/notes/ch_5.pptx
@@ -5,34 +5,36 @@
     <p:sldMasterId id="2147483672" r:id="rId1"/>
   </p:sldMasterIdLst>
   <p:notesMasterIdLst>
-    <p:notesMasterId r:id="rId27"/>
+    <p:notesMasterId r:id="rId29"/>
   </p:notesMasterIdLst>
   <p:sldIdLst>
     <p:sldId id="256" r:id="rId2"/>
-    <p:sldId id="257" r:id="rId3"/>
-    <p:sldId id="258" r:id="rId4"/>
-    <p:sldId id="266" r:id="rId5"/>
+    <p:sldId id="281" r:id="rId3"/>
+    <p:sldId id="257" r:id="rId4"/>
+    <p:sldId id="258" r:id="rId5"/>
     <p:sldId id="259" r:id="rId6"/>
     <p:sldId id="260" r:id="rId7"/>
     <p:sldId id="261" r:id="rId8"/>
     <p:sldId id="262" r:id="rId9"/>
-    <p:sldId id="263" r:id="rId10"/>
-    <p:sldId id="264" r:id="rId11"/>
-    <p:sldId id="265" r:id="rId12"/>
-    <p:sldId id="267" r:id="rId13"/>
-    <p:sldId id="268" r:id="rId14"/>
-    <p:sldId id="269" r:id="rId15"/>
-    <p:sldId id="270" r:id="rId16"/>
-    <p:sldId id="271" r:id="rId17"/>
-    <p:sldId id="272" r:id="rId18"/>
-    <p:sldId id="273" r:id="rId19"/>
-    <p:sldId id="274" r:id="rId20"/>
-    <p:sldId id="275" r:id="rId21"/>
-    <p:sldId id="276" r:id="rId22"/>
-    <p:sldId id="277" r:id="rId23"/>
-    <p:sldId id="278" r:id="rId24"/>
-    <p:sldId id="279" r:id="rId25"/>
-    <p:sldId id="280" r:id="rId26"/>
+    <p:sldId id="268" r:id="rId10"/>
+    <p:sldId id="269" r:id="rId11"/>
+    <p:sldId id="270" r:id="rId12"/>
+    <p:sldId id="282" r:id="rId13"/>
+    <p:sldId id="263" r:id="rId14"/>
+    <p:sldId id="264" r:id="rId15"/>
+    <p:sldId id="265" r:id="rId16"/>
+    <p:sldId id="267" r:id="rId17"/>
+    <p:sldId id="271" r:id="rId18"/>
+    <p:sldId id="272" r:id="rId19"/>
+    <p:sldId id="273" r:id="rId20"/>
+    <p:sldId id="274" r:id="rId21"/>
+    <p:sldId id="275" r:id="rId22"/>
+    <p:sldId id="276" r:id="rId23"/>
+    <p:sldId id="283" r:id="rId24"/>
+    <p:sldId id="277" r:id="rId25"/>
+    <p:sldId id="278" r:id="rId26"/>
+    <p:sldId id="279" r:id="rId27"/>
+    <p:sldId id="280" r:id="rId28"/>
   </p:sldIdLst>
   <p:sldSz cx="12192000" cy="6858000"/>
   <p:notesSz cx="6858000" cy="9144000"/>
@@ -232,7 +234,7 @@
           <a:p>
             <a:fld id="{B227AA7F-AAC4-A04F-96EF-DBAD596C710D}" type="datetimeFigureOut">
               <a:rPr lang="en-US" smtClean="0"/>
-              <a:t>8/17/17</a:t>
+              <a:t>10/9/17</a:t>
             </a:fld>
             <a:endParaRPr lang="en-US"/>
           </a:p>
@@ -527,12 +529,7 @@
             <p:ph type="sldImg"/>
           </p:nvPr>
         </p:nvSpPr>
-        <p:spPr>
-          <a:xfrm>
-            <a:off x="381000" y="685800"/>
-            <a:ext cx="6096000" cy="3429000"/>
-          </a:xfrm>
-        </p:spPr>
+        <p:spPr/>
       </p:sp>
       <p:sp>
         <p:nvSpPr>
@@ -551,28 +548,23 @@
           <a:p>
             <a:r>
               <a:rPr lang="en-US" dirty="0" smtClean="0"/>
-              <a:t>Charismatic leaders are nice,</a:t>
+              <a:t>IDA is</a:t>
             </a:r>
             <a:r>
               <a:rPr lang="en-US" baseline="0" dirty="0" smtClean="0"/>
-              <a:t> but they are not necessary.</a:t>
-            </a:r>
-          </a:p>
-          <a:p>
-            <a:endParaRPr lang="en-US" dirty="0" smtClean="0"/>
-          </a:p>
-          <a:p>
-            <a:r>
-              <a:rPr lang="en-US" dirty="0" smtClean="0"/>
-              <a:t>One leader can take care of all</a:t>
-            </a:r>
-            <a:r>
-              <a:rPr lang="en-US" baseline="0" dirty="0" smtClean="0"/>
-              <a:t> the administrative tasks (reaching out to politicians/bureaucrats) the other can build solidarity amongst members and recruits by speaking to their ideological commitments and intellectual interests</a:t>
-            </a:r>
-            <a:r>
-              <a:rPr lang="is-IS" baseline="0" dirty="0" smtClean="0"/>
-              <a:t>… engenders enthusiasm and stimulates passion.</a:t>
+              <a:t> an organization that works to protect the </a:t>
+            </a:r>
+            <a:r>
+              <a:rPr lang="en-US" sz="1200" b="0" i="0" kern="1200" dirty="0" smtClean="0">
+                <a:solidFill>
+                  <a:schemeClr val="tx1"/>
+                </a:solidFill>
+                <a:effectLst/>
+                <a:latin typeface="+mn-lt"/>
+                <a:ea typeface="+mn-ea"/>
+                <a:cs typeface="+mn-cs"/>
+              </a:rPr>
+              <a:t>rights, welfare, and habitats of animals</a:t>
             </a:r>
             <a:endParaRPr lang="en-US" dirty="0"/>
           </a:p>
@@ -595,7 +587,7 @@
           <a:p>
             <a:fld id="{3D77D9C7-E247-8144-ADE5-635ED35ACE41}" type="slidenum">
               <a:rPr lang="en-US" smtClean="0"/>
-              <a:t>11</a:t>
+              <a:t>6</a:t>
             </a:fld>
             <a:endParaRPr lang="en-US"/>
           </a:p>
@@ -604,7 +596,7 @@
     </p:spTree>
     <p:extLst>
       <p:ext uri="{BB962C8B-B14F-4D97-AF65-F5344CB8AC3E}">
-        <p14:creationId xmlns:p14="http://schemas.microsoft.com/office/powerpoint/2010/main" val="2073680242"/>
+        <p14:creationId xmlns:p14="http://schemas.microsoft.com/office/powerpoint/2010/main" val="1374126924"/>
       </p:ext>
     </p:extLst>
   </p:cSld>
@@ -641,12 +633,7 @@
             <p:ph type="sldImg"/>
           </p:nvPr>
         </p:nvSpPr>
-        <p:spPr>
-          <a:xfrm>
-            <a:off x="381000" y="685800"/>
-            <a:ext cx="6096000" cy="3429000"/>
-          </a:xfrm>
-        </p:spPr>
+        <p:spPr/>
       </p:sp>
       <p:sp>
         <p:nvSpPr>
@@ -665,11 +652,11 @@
           <a:p>
             <a:r>
               <a:rPr lang="en-US" dirty="0" smtClean="0"/>
-              <a:t>Private</a:t>
+              <a:t>Coalitions and conflict can occur</a:t>
             </a:r>
             <a:r>
               <a:rPr lang="en-US" baseline="0" dirty="0" smtClean="0"/>
-              <a:t> and public separated. People occupy positions within the bureaucracy and receive a salary.</a:t>
+              <a:t> both within movements and outside movements…. </a:t>
             </a:r>
             <a:endParaRPr lang="en-US" dirty="0"/>
           </a:p>
@@ -692,7 +679,7 @@
           <a:p>
             <a:fld id="{3D77D9C7-E247-8144-ADE5-635ED35ACE41}" type="slidenum">
               <a:rPr lang="en-US" smtClean="0"/>
-              <a:t>12</a:t>
+              <a:t>9</a:t>
             </a:fld>
             <a:endParaRPr lang="en-US"/>
           </a:p>
@@ -701,7 +688,7 @@
     </p:spTree>
     <p:extLst>
       <p:ext uri="{BB962C8B-B14F-4D97-AF65-F5344CB8AC3E}">
-        <p14:creationId xmlns:p14="http://schemas.microsoft.com/office/powerpoint/2010/main" val="2811565296"/>
+        <p14:creationId xmlns:p14="http://schemas.microsoft.com/office/powerpoint/2010/main" val="1223865556"/>
       </p:ext>
     </p:extLst>
   </p:cSld>
@@ -789,7 +776,7 @@
           <a:p>
             <a:fld id="{3D77D9C7-E247-8144-ADE5-635ED35ACE41}" type="slidenum">
               <a:rPr lang="en-US" smtClean="0"/>
-              <a:t>14</a:t>
+              <a:t>10</a:t>
             </a:fld>
             <a:endParaRPr lang="en-US"/>
           </a:p>
@@ -878,7 +865,7 @@
           <a:p>
             <a:fld id="{3D77D9C7-E247-8144-ADE5-635ED35ACE41}" type="slidenum">
               <a:rPr lang="en-US" smtClean="0"/>
-              <a:t>15</a:t>
+              <a:t>11</a:t>
             </a:fld>
             <a:endParaRPr lang="en-US"/>
           </a:p>
@@ -948,21 +935,28 @@
           <a:p>
             <a:r>
               <a:rPr lang="en-US" dirty="0" smtClean="0"/>
-              <a:t>Nonviolence entails</a:t>
+              <a:t>Charismatic leaders are nice,</a:t>
             </a:r>
             <a:r>
               <a:rPr lang="en-US" baseline="0" dirty="0" smtClean="0"/>
-              <a:t> avoidance of violence and not provoking it</a:t>
+              <a:t> but they are not necessary.</a:t>
+            </a:r>
+          </a:p>
+          <a:p>
+            <a:endParaRPr lang="en-US" dirty="0" smtClean="0"/>
+          </a:p>
+          <a:p>
+            <a:r>
+              <a:rPr lang="en-US" dirty="0" smtClean="0"/>
+              <a:t>One leader can take care of all</a:t>
+            </a:r>
+            <a:r>
+              <a:rPr lang="en-US" baseline="0" dirty="0" smtClean="0"/>
+              <a:t> the administrative tasks (reaching out to politicians/bureaucrats) the other can build solidarity amongst members and recruits by speaking to their ideological commitments and intellectual interests</a:t>
             </a:r>
             <a:r>
               <a:rPr lang="is-IS" baseline="0" dirty="0" smtClean="0"/>
-              <a:t>… </a:t>
-            </a:r>
-          </a:p>
-          <a:p>
-            <a:r>
-              <a:rPr lang="is-IS" baseline="0" dirty="0" smtClean="0"/>
-              <a:t>Violence is targeted violence or inciting it</a:t>
+              <a:t>… engenders enthusiasm and stimulates passion.</a:t>
             </a:r>
             <a:endParaRPr lang="en-US" dirty="0"/>
           </a:p>
@@ -985,7 +979,7 @@
           <a:p>
             <a:fld id="{3D77D9C7-E247-8144-ADE5-635ED35ACE41}" type="slidenum">
               <a:rPr lang="en-US" smtClean="0"/>
-              <a:t>17</a:t>
+              <a:t>15</a:t>
             </a:fld>
             <a:endParaRPr lang="en-US"/>
           </a:p>
@@ -994,7 +988,7 @@
     </p:spTree>
     <p:extLst>
       <p:ext uri="{BB962C8B-B14F-4D97-AF65-F5344CB8AC3E}">
-        <p14:creationId xmlns:p14="http://schemas.microsoft.com/office/powerpoint/2010/main" val="579903682"/>
+        <p14:creationId xmlns:p14="http://schemas.microsoft.com/office/powerpoint/2010/main" val="2073680242"/>
       </p:ext>
     </p:extLst>
   </p:cSld>
@@ -1055,6 +1049,210 @@
           <a:p>
             <a:r>
               <a:rPr lang="en-US" dirty="0" smtClean="0"/>
+              <a:t>Private</a:t>
+            </a:r>
+            <a:r>
+              <a:rPr lang="en-US" baseline="0" dirty="0" smtClean="0"/>
+              <a:t> and public separated. People occupy positions within the bureaucracy and receive a salary.</a:t>
+            </a:r>
+            <a:endParaRPr lang="en-US" dirty="0"/>
+          </a:p>
+        </p:txBody>
+      </p:sp>
+      <p:sp>
+        <p:nvSpPr>
+          <p:cNvPr id="4" name="Slide Number Placeholder 3"/>
+          <p:cNvSpPr>
+            <a:spLocks noGrp="1"/>
+          </p:cNvSpPr>
+          <p:nvPr>
+            <p:ph type="sldNum" sz="quarter" idx="10"/>
+          </p:nvPr>
+        </p:nvSpPr>
+        <p:spPr/>
+        <p:txBody>
+          <a:bodyPr/>
+          <a:lstStyle/>
+          <a:p>
+            <a:fld id="{3D77D9C7-E247-8144-ADE5-635ED35ACE41}" type="slidenum">
+              <a:rPr lang="en-US" smtClean="0"/>
+              <a:t>16</a:t>
+            </a:fld>
+            <a:endParaRPr lang="en-US"/>
+          </a:p>
+        </p:txBody>
+      </p:sp>
+    </p:spTree>
+    <p:extLst>
+      <p:ext uri="{BB962C8B-B14F-4D97-AF65-F5344CB8AC3E}">
+        <p14:creationId xmlns:p14="http://schemas.microsoft.com/office/powerpoint/2010/main" val="2811565296"/>
+      </p:ext>
+    </p:extLst>
+  </p:cSld>
+  <p:clrMapOvr>
+    <a:masterClrMapping/>
+  </p:clrMapOvr>
+</p:notes>
+</file>
+
+<file path=ppt/notesSlides/notesSlide7.xml><?xml version="1.0" encoding="utf-8"?>
+<p:notes xmlns:a="http://schemas.openxmlformats.org/drawingml/2006/main" xmlns:r="http://schemas.openxmlformats.org/officeDocument/2006/relationships" xmlns:p="http://schemas.openxmlformats.org/presentationml/2006/main">
+  <p:cSld>
+    <p:spTree>
+      <p:nvGrpSpPr>
+        <p:cNvPr id="1" name=""/>
+        <p:cNvGrpSpPr/>
+        <p:nvPr/>
+      </p:nvGrpSpPr>
+      <p:grpSpPr>
+        <a:xfrm>
+          <a:off x="0" y="0"/>
+          <a:ext cx="0" cy="0"/>
+          <a:chOff x="0" y="0"/>
+          <a:chExt cx="0" cy="0"/>
+        </a:xfrm>
+      </p:grpSpPr>
+      <p:sp>
+        <p:nvSpPr>
+          <p:cNvPr id="2" name="Slide Image Placeholder 1"/>
+          <p:cNvSpPr>
+            <a:spLocks noGrp="1" noRot="1" noChangeAspect="1"/>
+          </p:cNvSpPr>
+          <p:nvPr>
+            <p:ph type="sldImg"/>
+          </p:nvPr>
+        </p:nvSpPr>
+        <p:spPr>
+          <a:xfrm>
+            <a:off x="381000" y="685800"/>
+            <a:ext cx="6096000" cy="3429000"/>
+          </a:xfrm>
+        </p:spPr>
+      </p:sp>
+      <p:sp>
+        <p:nvSpPr>
+          <p:cNvPr id="3" name="Notes Placeholder 2"/>
+          <p:cNvSpPr>
+            <a:spLocks noGrp="1"/>
+          </p:cNvSpPr>
+          <p:nvPr>
+            <p:ph type="body" idx="1"/>
+          </p:nvPr>
+        </p:nvSpPr>
+        <p:spPr/>
+        <p:txBody>
+          <a:bodyPr/>
+          <a:lstStyle/>
+          <a:p>
+            <a:r>
+              <a:rPr lang="en-US" dirty="0" smtClean="0"/>
+              <a:t>Nonviolence entails</a:t>
+            </a:r>
+            <a:r>
+              <a:rPr lang="en-US" baseline="0" dirty="0" smtClean="0"/>
+              <a:t> avoidance of violence and not provoking it</a:t>
+            </a:r>
+            <a:r>
+              <a:rPr lang="is-IS" baseline="0" dirty="0" smtClean="0"/>
+              <a:t>… </a:t>
+            </a:r>
+          </a:p>
+          <a:p>
+            <a:r>
+              <a:rPr lang="is-IS" baseline="0" dirty="0" smtClean="0"/>
+              <a:t>Violence is targeted violence or inciting it</a:t>
+            </a:r>
+            <a:endParaRPr lang="en-US" dirty="0"/>
+          </a:p>
+        </p:txBody>
+      </p:sp>
+      <p:sp>
+        <p:nvSpPr>
+          <p:cNvPr id="4" name="Slide Number Placeholder 3"/>
+          <p:cNvSpPr>
+            <a:spLocks noGrp="1"/>
+          </p:cNvSpPr>
+          <p:nvPr>
+            <p:ph type="sldNum" sz="quarter" idx="10"/>
+          </p:nvPr>
+        </p:nvSpPr>
+        <p:spPr/>
+        <p:txBody>
+          <a:bodyPr/>
+          <a:lstStyle/>
+          <a:p>
+            <a:fld id="{3D77D9C7-E247-8144-ADE5-635ED35ACE41}" type="slidenum">
+              <a:rPr lang="en-US" smtClean="0"/>
+              <a:t>18</a:t>
+            </a:fld>
+            <a:endParaRPr lang="en-US"/>
+          </a:p>
+        </p:txBody>
+      </p:sp>
+    </p:spTree>
+    <p:extLst>
+      <p:ext uri="{BB962C8B-B14F-4D97-AF65-F5344CB8AC3E}">
+        <p14:creationId xmlns:p14="http://schemas.microsoft.com/office/powerpoint/2010/main" val="579903682"/>
+      </p:ext>
+    </p:extLst>
+  </p:cSld>
+  <p:clrMapOvr>
+    <a:masterClrMapping/>
+  </p:clrMapOvr>
+</p:notes>
+</file>
+
+<file path=ppt/notesSlides/notesSlide8.xml><?xml version="1.0" encoding="utf-8"?>
+<p:notes xmlns:a="http://schemas.openxmlformats.org/drawingml/2006/main" xmlns:r="http://schemas.openxmlformats.org/officeDocument/2006/relationships" xmlns:p="http://schemas.openxmlformats.org/presentationml/2006/main">
+  <p:cSld>
+    <p:spTree>
+      <p:nvGrpSpPr>
+        <p:cNvPr id="1" name=""/>
+        <p:cNvGrpSpPr/>
+        <p:nvPr/>
+      </p:nvGrpSpPr>
+      <p:grpSpPr>
+        <a:xfrm>
+          <a:off x="0" y="0"/>
+          <a:ext cx="0" cy="0"/>
+          <a:chOff x="0" y="0"/>
+          <a:chExt cx="0" cy="0"/>
+        </a:xfrm>
+      </p:grpSpPr>
+      <p:sp>
+        <p:nvSpPr>
+          <p:cNvPr id="2" name="Slide Image Placeholder 1"/>
+          <p:cNvSpPr>
+            <a:spLocks noGrp="1" noRot="1" noChangeAspect="1"/>
+          </p:cNvSpPr>
+          <p:nvPr>
+            <p:ph type="sldImg"/>
+          </p:nvPr>
+        </p:nvSpPr>
+        <p:spPr>
+          <a:xfrm>
+            <a:off x="381000" y="685800"/>
+            <a:ext cx="6096000" cy="3429000"/>
+          </a:xfrm>
+        </p:spPr>
+      </p:sp>
+      <p:sp>
+        <p:nvSpPr>
+          <p:cNvPr id="3" name="Notes Placeholder 2"/>
+          <p:cNvSpPr>
+            <a:spLocks noGrp="1"/>
+          </p:cNvSpPr>
+          <p:nvPr>
+            <p:ph type="body" idx="1"/>
+          </p:nvPr>
+        </p:nvSpPr>
+        <p:spPr/>
+        <p:txBody>
+          <a:bodyPr/>
+          <a:lstStyle/>
+          <a:p>
+            <a:r>
+              <a:rPr lang="en-US" dirty="0" smtClean="0"/>
               <a:t>Nonviolent strategy favors certain</a:t>
             </a:r>
             <a:r>
@@ -1112,7 +1310,7 @@
           <a:p>
             <a:fld id="{3D77D9C7-E247-8144-ADE5-635ED35ACE41}" type="slidenum">
               <a:rPr lang="en-US" smtClean="0"/>
-              <a:t>18</a:t>
+              <a:t>19</a:t>
             </a:fld>
             <a:endParaRPr lang="en-US"/>
           </a:p>
@@ -1122,6 +1320,100 @@
     <p:extLst>
       <p:ext uri="{BB962C8B-B14F-4D97-AF65-F5344CB8AC3E}">
         <p14:creationId xmlns:p14="http://schemas.microsoft.com/office/powerpoint/2010/main" val="451826566"/>
+      </p:ext>
+    </p:extLst>
+  </p:cSld>
+  <p:clrMapOvr>
+    <a:masterClrMapping/>
+  </p:clrMapOvr>
+</p:notes>
+</file>
+
+<file path=ppt/notesSlides/notesSlide9.xml><?xml version="1.0" encoding="utf-8"?>
+<p:notes xmlns:a="http://schemas.openxmlformats.org/drawingml/2006/main" xmlns:r="http://schemas.openxmlformats.org/officeDocument/2006/relationships" xmlns:p="http://schemas.openxmlformats.org/presentationml/2006/main">
+  <p:cSld>
+    <p:spTree>
+      <p:nvGrpSpPr>
+        <p:cNvPr id="1" name=""/>
+        <p:cNvGrpSpPr/>
+        <p:nvPr/>
+      </p:nvGrpSpPr>
+      <p:grpSpPr>
+        <a:xfrm>
+          <a:off x="0" y="0"/>
+          <a:ext cx="0" cy="0"/>
+          <a:chOff x="0" y="0"/>
+          <a:chExt cx="0" cy="0"/>
+        </a:xfrm>
+      </p:grpSpPr>
+      <p:sp>
+        <p:nvSpPr>
+          <p:cNvPr id="2" name="Slide Image Placeholder 1"/>
+          <p:cNvSpPr>
+            <a:spLocks noGrp="1" noRot="1" noChangeAspect="1"/>
+          </p:cNvSpPr>
+          <p:nvPr>
+            <p:ph type="sldImg"/>
+          </p:nvPr>
+        </p:nvSpPr>
+        <p:spPr/>
+      </p:sp>
+      <p:sp>
+        <p:nvSpPr>
+          <p:cNvPr id="3" name="Notes Placeholder 2"/>
+          <p:cNvSpPr>
+            <a:spLocks noGrp="1"/>
+          </p:cNvSpPr>
+          <p:nvPr>
+            <p:ph type="body" idx="1"/>
+          </p:nvPr>
+        </p:nvSpPr>
+        <p:spPr/>
+        <p:txBody>
+          <a:bodyPr/>
+          <a:lstStyle/>
+          <a:p>
+            <a:r>
+              <a:rPr lang="en-US" dirty="0" smtClean="0"/>
+              <a:t>Rep</a:t>
+            </a:r>
+            <a:r>
+              <a:rPr lang="en-US" baseline="0" dirty="0" smtClean="0"/>
+              <a:t> of contention: what are widely accepted modes of action? What is everyone else doing? What is beyond the scope of “acceptable” movement action?</a:t>
+            </a:r>
+          </a:p>
+          <a:p>
+            <a:endParaRPr lang="en-US" dirty="0"/>
+          </a:p>
+        </p:txBody>
+      </p:sp>
+      <p:sp>
+        <p:nvSpPr>
+          <p:cNvPr id="4" name="Slide Number Placeholder 3"/>
+          <p:cNvSpPr>
+            <a:spLocks noGrp="1"/>
+          </p:cNvSpPr>
+          <p:nvPr>
+            <p:ph type="sldNum" sz="quarter" idx="10"/>
+          </p:nvPr>
+        </p:nvSpPr>
+        <p:spPr/>
+        <p:txBody>
+          <a:bodyPr/>
+          <a:lstStyle/>
+          <a:p>
+            <a:fld id="{3D77D9C7-E247-8144-ADE5-635ED35ACE41}" type="slidenum">
+              <a:rPr lang="en-US" smtClean="0"/>
+              <a:t>21</a:t>
+            </a:fld>
+            <a:endParaRPr lang="en-US"/>
+          </a:p>
+        </p:txBody>
+      </p:sp>
+    </p:spTree>
+    <p:extLst>
+      <p:ext uri="{BB962C8B-B14F-4D97-AF65-F5344CB8AC3E}">
+        <p14:creationId xmlns:p14="http://schemas.microsoft.com/office/powerpoint/2010/main" val="567613887"/>
       </p:ext>
     </p:extLst>
   </p:cSld>
@@ -1444,7 +1736,7 @@
           <a:p>
             <a:fld id="{A48BC6A3-4287-FB41-84FF-1B1578E1764A}" type="datetimeFigureOut">
               <a:rPr lang="en-US" smtClean="0"/>
-              <a:t>8/17/17</a:t>
+              <a:t>10/9/17</a:t>
             </a:fld>
             <a:endParaRPr lang="en-US"/>
           </a:p>
@@ -1610,7 +1902,7 @@
           <a:p>
             <a:fld id="{A48BC6A3-4287-FB41-84FF-1B1578E1764A}" type="datetimeFigureOut">
               <a:rPr lang="en-US" smtClean="0"/>
-              <a:t>8/17/17</a:t>
+              <a:t>10/9/17</a:t>
             </a:fld>
             <a:endParaRPr lang="en-US"/>
           </a:p>
@@ -1934,7 +2226,7 @@
           <a:p>
             <a:fld id="{A48BC6A3-4287-FB41-84FF-1B1578E1764A}" type="datetimeFigureOut">
               <a:rPr lang="en-US" smtClean="0"/>
-              <a:t>8/17/17</a:t>
+              <a:t>10/9/17</a:t>
             </a:fld>
             <a:endParaRPr lang="en-US"/>
           </a:p>
@@ -2150,7 +2442,7 @@
           <a:p>
             <a:fld id="{A48BC6A3-4287-FB41-84FF-1B1578E1764A}" type="datetimeFigureOut">
               <a:rPr lang="en-US" smtClean="0"/>
-              <a:t>8/17/17</a:t>
+              <a:t>10/9/17</a:t>
             </a:fld>
             <a:endParaRPr lang="en-US"/>
           </a:p>
@@ -2505,7 +2797,7 @@
           <a:p>
             <a:fld id="{A48BC6A3-4287-FB41-84FF-1B1578E1764A}" type="datetimeFigureOut">
               <a:rPr lang="en-US" smtClean="0"/>
-              <a:t>8/17/17</a:t>
+              <a:t>10/9/17</a:t>
             </a:fld>
             <a:endParaRPr lang="en-US"/>
           </a:p>
@@ -2797,7 +3089,7 @@
           <a:p>
             <a:fld id="{A48BC6A3-4287-FB41-84FF-1B1578E1764A}" type="datetimeFigureOut">
               <a:rPr lang="en-US" smtClean="0"/>
-              <a:t>8/17/17</a:t>
+              <a:t>10/9/17</a:t>
             </a:fld>
             <a:endParaRPr lang="en-US"/>
           </a:p>
@@ -3178,7 +3470,7 @@
           <a:p>
             <a:fld id="{A48BC6A3-4287-FB41-84FF-1B1578E1764A}" type="datetimeFigureOut">
               <a:rPr lang="en-US" smtClean="0"/>
-              <a:t>8/17/17</a:t>
+              <a:t>10/9/17</a:t>
             </a:fld>
             <a:endParaRPr lang="en-US"/>
           </a:p>
@@ -3276,7 +3568,7 @@
           <a:p>
             <a:fld id="{A48BC6A3-4287-FB41-84FF-1B1578E1764A}" type="datetimeFigureOut">
               <a:rPr lang="en-US" smtClean="0"/>
-              <a:t>8/17/17</a:t>
+              <a:t>10/9/17</a:t>
             </a:fld>
             <a:endParaRPr lang="en-US"/>
           </a:p>
@@ -3351,7 +3643,7 @@
           <a:p>
             <a:fld id="{A48BC6A3-4287-FB41-84FF-1B1578E1764A}" type="datetimeFigureOut">
               <a:rPr lang="en-US" smtClean="0"/>
-              <a:t>8/17/17</a:t>
+              <a:t>10/9/17</a:t>
             </a:fld>
             <a:endParaRPr lang="en-US"/>
           </a:p>
@@ -3594,7 +3886,7 @@
           <a:p>
             <a:fld id="{A48BC6A3-4287-FB41-84FF-1B1578E1764A}" type="datetimeFigureOut">
               <a:rPr lang="en-US" smtClean="0"/>
-              <a:t>8/17/17</a:t>
+              <a:t>10/9/17</a:t>
             </a:fld>
             <a:endParaRPr lang="en-US"/>
           </a:p>
@@ -4029,7 +4321,7 @@
           <a:p>
             <a:fld id="{A48BC6A3-4287-FB41-84FF-1B1578E1764A}" type="datetimeFigureOut">
               <a:rPr lang="en-US" smtClean="0"/>
-              <a:t>8/17/17</a:t>
+              <a:t>10/9/17</a:t>
             </a:fld>
             <a:endParaRPr lang="en-US"/>
           </a:p>
@@ -4249,7 +4541,7 @@
           <a:p>
             <a:fld id="{A48BC6A3-4287-FB41-84FF-1B1578E1764A}" type="datetimeFigureOut">
               <a:rPr lang="en-US" smtClean="0"/>
-              <a:t>8/17/17</a:t>
+              <a:t>10/9/17</a:t>
             </a:fld>
             <a:endParaRPr lang="en-US"/>
           </a:p>
@@ -5009,14 +5301,14 @@
   <p:clrMapOvr>
     <a:masterClrMapping/>
   </p:clrMapOvr>
-  <mc:AlternateContent xmlns:mc="http://schemas.openxmlformats.org/markup-compatibility/2006" xmlns:p14="http://schemas.microsoft.com/office/powerpoint/2010/main">
-    <mc:Choice Requires="p14">
+  <mc:AlternateContent xmlns:mc="http://schemas.openxmlformats.org/markup-compatibility/2006">
+    <mc:Choice xmlns:p14="http://schemas.microsoft.com/office/powerpoint/2010/main" Requires="p14">
       <p:transition spd="med" p14:dur="700">
         <p:fade/>
       </p:transition>
     </mc:Choice>
-    <mc:Fallback xmlns="">
-      <p:transition xmlns:p14="http://schemas.microsoft.com/office/powerpoint/2010/main" spd="med">
+    <mc:Fallback>
+      <p:transition spd="med">
         <p:fade/>
       </p:transition>
     </mc:Fallback>
@@ -5057,10 +5349,9 @@
           <a:lstStyle/>
           <a:p>
             <a:r>
-              <a:rPr lang="en-US" dirty="0" smtClean="0"/>
-              <a:t>Organizational Life</a:t>
-            </a:r>
-            <a:endParaRPr lang="en-US" dirty="0"/>
+              <a:rPr lang="en-US" dirty="0"/>
+              <a:t>Coalitions</a:t>
+            </a:r>
           </a:p>
         </p:txBody>
       </p:sp>
@@ -5081,42 +5372,69 @@
           <a:p>
             <a:r>
               <a:rPr lang="en-US" dirty="0" smtClean="0"/>
-              <a:t>Survive/grow</a:t>
-            </a:r>
-          </a:p>
-          <a:p>
-            <a:r>
-              <a:rPr lang="en-US" dirty="0" smtClean="0"/>
-              <a:t>Stagnate</a:t>
-            </a:r>
-          </a:p>
-          <a:p>
-            <a:r>
-              <a:rPr lang="en-US" dirty="0" smtClean="0"/>
-              <a:t>Become new organizations</a:t>
-            </a:r>
-            <a:endParaRPr lang="en-US" dirty="0"/>
+              <a:t>Collaboration between </a:t>
+            </a:r>
+            <a:r>
+              <a:rPr lang="en-US" dirty="0" smtClean="0"/>
+              <a:t>SMOs</a:t>
+            </a:r>
+          </a:p>
+          <a:p>
+            <a:pPr lvl="1"/>
+            <a:r>
+              <a:rPr lang="en-US" dirty="0" smtClean="0"/>
+              <a:t>Implies </a:t>
+            </a:r>
+            <a:r>
+              <a:rPr lang="en-US" dirty="0" smtClean="0"/>
+              <a:t>SMOs have shared goal</a:t>
+            </a:r>
+          </a:p>
+          <a:p>
+            <a:endParaRPr lang="en-US" dirty="0" smtClean="0"/>
+          </a:p>
+          <a:p>
+            <a:r>
+              <a:rPr lang="en-US" dirty="0" smtClean="0"/>
+              <a:t>Can </a:t>
+            </a:r>
+            <a:r>
+              <a:rPr lang="en-US" dirty="0" smtClean="0"/>
+              <a:t>be built on prior bonds </a:t>
+            </a:r>
+            <a:r>
+              <a:rPr lang="en-US" dirty="0" smtClean="0"/>
+              <a:t>(or not)</a:t>
+            </a:r>
+            <a:endParaRPr lang="en-US" dirty="0" smtClean="0"/>
+          </a:p>
+          <a:p>
+            <a:pPr lvl="1"/>
+            <a:r>
+              <a:rPr lang="en-US" dirty="0" smtClean="0"/>
+              <a:t>Feminist, pro-choice</a:t>
+            </a:r>
           </a:p>
         </p:txBody>
       </p:sp>
     </p:spTree>
     <p:extLst>
       <p:ext uri="{BB962C8B-B14F-4D97-AF65-F5344CB8AC3E}">
-        <p14:creationId xmlns:p14="http://schemas.microsoft.com/office/powerpoint/2010/main" val="4071563659"/>
+        <p14:creationId xmlns:p14="http://schemas.microsoft.com/office/powerpoint/2010/main" val="218395997"/>
       </p:ext>
     </p:extLst>
   </p:cSld>
   <p:clrMapOvr>
     <a:masterClrMapping/>
   </p:clrMapOvr>
-  <mc:AlternateContent xmlns:mc="http://schemas.openxmlformats.org/markup-compatibility/2006" xmlns:p14="http://schemas.microsoft.com/office/powerpoint/2010/main">
-    <mc:Choice Requires="p14">
+  <mc:AlternateContent xmlns:mc="http://schemas.openxmlformats.org/markup-compatibility/2006">
+    <mc:Choice xmlns:p14="http://schemas.microsoft.com/office/powerpoint/2010/main" Requires="p14">
       <p:transition spd="med" p14:dur="700">
         <p:fade/>
       </p:transition>
     </mc:Choice>
-    <mc:Fallback xmlns="">
-      <p:transition xmlns:p14="http://schemas.microsoft.com/office/powerpoint/2010/main" spd="med">
+    <mc:Fallback>
+      <p:transition spd="med">
         <p:fade/>
       </p:transition>
     </mc:Fallback>
@@ -5157,10 +5475,9 @@
           <a:lstStyle/>
           <a:p>
             <a:r>
-              <a:rPr lang="en-US" dirty="0" smtClean="0"/>
-              <a:t>Leadership</a:t>
-            </a:r>
-            <a:endParaRPr lang="en-US" dirty="0"/>
+              <a:rPr lang="en-US" dirty="0"/>
+              <a:t>Conflict</a:t>
+            </a:r>
           </a:p>
         </p:txBody>
       </p:sp>
@@ -5181,13 +5498,52 @@
           <a:p>
             <a:r>
               <a:rPr lang="en-US" dirty="0" smtClean="0"/>
-              <a:t>Charismatic leader(s)</a:t>
-            </a:r>
-          </a:p>
-          <a:p>
-            <a:r>
-              <a:rPr lang="en-US" dirty="0" smtClean="0"/>
-              <a:t>Division of labor</a:t>
+              <a:t>Competition for resources</a:t>
+            </a:r>
+          </a:p>
+          <a:p>
+            <a:pPr lvl="1"/>
+            <a:r>
+              <a:rPr lang="en-US" dirty="0" smtClean="0"/>
+              <a:t>Money, time, energy, prestige</a:t>
+            </a:r>
+          </a:p>
+          <a:p>
+            <a:endParaRPr lang="en-US" dirty="0" smtClean="0"/>
+          </a:p>
+          <a:p>
+            <a:r>
+              <a:rPr lang="en-US" dirty="0" smtClean="0"/>
+              <a:t>When only a few SMOs in SMI, there will be enough resources to go around </a:t>
+            </a:r>
+          </a:p>
+          <a:p>
+            <a:pPr lvl="1"/>
+            <a:r>
+              <a:rPr lang="en-US" dirty="0" smtClean="0"/>
+              <a:t>Resources diminish with more </a:t>
+            </a:r>
+            <a:r>
+              <a:rPr lang="en-US" dirty="0" smtClean="0"/>
+              <a:t>SMOs</a:t>
+            </a:r>
+          </a:p>
+          <a:p>
+            <a:pPr lvl="1"/>
+            <a:endParaRPr lang="en-US" dirty="0" smtClean="0"/>
+          </a:p>
+          <a:p>
+            <a:r>
+              <a:rPr lang="en-US" dirty="0" smtClean="0"/>
+              <a:t>As SMOs fail/stagnate, successful SMOs grow and become </a:t>
+            </a:r>
+            <a:r>
+              <a:rPr lang="en-US" dirty="0" smtClean="0"/>
+              <a:t>more </a:t>
+            </a:r>
+            <a:r>
+              <a:rPr lang="en-US" dirty="0" smtClean="0"/>
+              <a:t>centralized in SMI</a:t>
             </a:r>
             <a:endParaRPr lang="en-US" dirty="0"/>
           </a:p>
@@ -5196,21 +5552,21 @@
     </p:spTree>
     <p:extLst>
       <p:ext uri="{BB962C8B-B14F-4D97-AF65-F5344CB8AC3E}">
-        <p14:creationId xmlns:p14="http://schemas.microsoft.com/office/powerpoint/2010/main" val="1999419750"/>
+        <p14:creationId xmlns:p14="http://schemas.microsoft.com/office/powerpoint/2010/main" val="3283954399"/>
       </p:ext>
     </p:extLst>
   </p:cSld>
   <p:clrMapOvr>
     <a:masterClrMapping/>
   </p:clrMapOvr>
-  <mc:AlternateContent xmlns:mc="http://schemas.openxmlformats.org/markup-compatibility/2006" xmlns:p14="http://schemas.microsoft.com/office/powerpoint/2010/main">
-    <mc:Choice Requires="p14">
+  <mc:AlternateContent xmlns:mc="http://schemas.openxmlformats.org/markup-compatibility/2006">
+    <mc:Choice xmlns:p14="http://schemas.microsoft.com/office/powerpoint/2010/main" Requires="p14">
       <p:transition spd="med" p14:dur="700">
         <p:fade/>
       </p:transition>
     </mc:Choice>
-    <mc:Fallback xmlns="">
-      <p:transition xmlns:p14="http://schemas.microsoft.com/office/powerpoint/2010/main" spd="med">
+    <mc:Fallback>
+      <p:transition spd="med">
         <p:fade/>
       </p:transition>
     </mc:Fallback>
@@ -5252,7 +5608,7 @@
           <a:p>
             <a:r>
               <a:rPr lang="en-US" dirty="0" smtClean="0"/>
-              <a:t>Organizational Forms</a:t>
+              <a:t>Exercise: CSUF Student Parking</a:t>
             </a:r>
             <a:endParaRPr lang="en-US" dirty="0"/>
           </a:p>
@@ -5275,14 +5631,49 @@
           <a:p>
             <a:r>
               <a:rPr lang="en-US" dirty="0" smtClean="0"/>
-              <a:t>Bureaucratize/Formalize</a:t>
-            </a:r>
-          </a:p>
-          <a:p>
-            <a:r>
-              <a:rPr lang="en-US" dirty="0" smtClean="0"/>
-              <a:t>Hierarchical Structures, Rules</a:t>
-            </a:r>
+              <a:t>Collaboration (which SMOs)?</a:t>
+            </a:r>
+          </a:p>
+          <a:p>
+            <a:pPr lvl="1"/>
+            <a:r>
+              <a:rPr lang="en-US" dirty="0" smtClean="0"/>
+              <a:t>Within movement</a:t>
+            </a:r>
+          </a:p>
+          <a:p>
+            <a:pPr lvl="1"/>
+            <a:r>
+              <a:rPr lang="en-US" dirty="0" smtClean="0"/>
+              <a:t>Outside movement</a:t>
+            </a:r>
+          </a:p>
+          <a:p>
+            <a:r>
+              <a:rPr lang="en-US" dirty="0" smtClean="0"/>
+              <a:t>Conflict (which SMOs)?</a:t>
+            </a:r>
+          </a:p>
+          <a:p>
+            <a:pPr lvl="1"/>
+            <a:r>
+              <a:rPr lang="en-US" dirty="0"/>
+              <a:t>Within movement</a:t>
+            </a:r>
+          </a:p>
+          <a:p>
+            <a:pPr lvl="1"/>
+            <a:r>
+              <a:rPr lang="en-US" dirty="0"/>
+              <a:t>Outside </a:t>
+            </a:r>
+            <a:r>
+              <a:rPr lang="en-US" dirty="0" smtClean="0"/>
+              <a:t>movement</a:t>
+            </a:r>
+            <a:endParaRPr lang="en-US" dirty="0"/>
+          </a:p>
+          <a:p>
             <a:endParaRPr lang="en-US" dirty="0"/>
           </a:p>
         </p:txBody>
@@ -5290,21 +5681,21 @@
     </p:spTree>
     <p:extLst>
       <p:ext uri="{BB962C8B-B14F-4D97-AF65-F5344CB8AC3E}">
-        <p14:creationId xmlns:p14="http://schemas.microsoft.com/office/powerpoint/2010/main" val="1466896638"/>
+        <p14:creationId xmlns:p14="http://schemas.microsoft.com/office/powerpoint/2010/main" val="1267144798"/>
       </p:ext>
     </p:extLst>
   </p:cSld>
   <p:clrMapOvr>
     <a:masterClrMapping/>
   </p:clrMapOvr>
-  <mc:AlternateContent xmlns:mc="http://schemas.openxmlformats.org/markup-compatibility/2006" xmlns:p14="http://schemas.microsoft.com/office/powerpoint/2010/main">
-    <mc:Choice Requires="p14">
+  <mc:AlternateContent xmlns:mc="http://schemas.openxmlformats.org/markup-compatibility/2006">
+    <mc:Choice xmlns:p14="http://schemas.microsoft.com/office/powerpoint/2010/main" Requires="p14">
       <p:transition spd="med" p14:dur="700">
         <p:fade/>
       </p:transition>
     </mc:Choice>
-    <mc:Fallback xmlns="">
-      <p:transition xmlns:p14="http://schemas.microsoft.com/office/powerpoint/2010/main" spd="med">
+    <mc:Fallback>
+      <p:transition spd="med">
         <p:fade/>
       </p:transition>
     </mc:Fallback>
@@ -5341,12 +5732,14 @@
         </p:nvSpPr>
         <p:spPr/>
         <p:txBody>
-          <a:bodyPr/>
-          <a:lstStyle/>
-          <a:p>
-            <a:r>
-              <a:rPr lang="en-US" dirty="0" smtClean="0"/>
-              <a:t>How do movements interact?</a:t>
+          <a:bodyPr>
+            <a:normAutofit/>
+          </a:bodyPr>
+          <a:lstStyle/>
+          <a:p>
+            <a:r>
+              <a:rPr lang="en-US" dirty="0" smtClean="0"/>
+              <a:t>How do movements change?</a:t>
             </a:r>
             <a:endParaRPr lang="en-US" dirty="0"/>
           </a:p>
@@ -5369,14 +5762,33 @@
           <a:p>
             <a:r>
               <a:rPr lang="en-US" dirty="0" smtClean="0"/>
-              <a:t>Coalitions</a:t>
-            </a:r>
-          </a:p>
-          <a:p>
-            <a:r>
-              <a:rPr lang="en-US" dirty="0" smtClean="0"/>
-              <a:t>Conflict</a:t>
-            </a:r>
+              <a:t>Organization’s </a:t>
+            </a:r>
+            <a:r>
+              <a:rPr lang="en-US" dirty="0" smtClean="0"/>
+              <a:t>Life</a:t>
+            </a:r>
+          </a:p>
+          <a:p>
+            <a:r>
+              <a:rPr lang="en-US" dirty="0" smtClean="0"/>
+              <a:t>Leadership</a:t>
+            </a:r>
+          </a:p>
+          <a:p>
+            <a:r>
+              <a:rPr lang="en-US" dirty="0" smtClean="0"/>
+              <a:t>Organization’s Form/Structure</a:t>
+            </a:r>
+            <a:endParaRPr lang="en-US" dirty="0" smtClean="0"/>
+          </a:p>
+          <a:p>
+            <a:endParaRPr lang="en-US" dirty="0" smtClean="0"/>
+          </a:p>
+          <a:p>
+            <a:endParaRPr lang="en-US" dirty="0" smtClean="0"/>
+          </a:p>
+          <a:p>
             <a:endParaRPr lang="en-US" dirty="0"/>
           </a:p>
         </p:txBody>
@@ -5384,21 +5796,21 @@
     </p:spTree>
     <p:extLst>
       <p:ext uri="{BB962C8B-B14F-4D97-AF65-F5344CB8AC3E}">
-        <p14:creationId xmlns:p14="http://schemas.microsoft.com/office/powerpoint/2010/main" val="1677906245"/>
+        <p14:creationId xmlns:p14="http://schemas.microsoft.com/office/powerpoint/2010/main" val="1607467375"/>
       </p:ext>
     </p:extLst>
   </p:cSld>
   <p:clrMapOvr>
     <a:masterClrMapping/>
   </p:clrMapOvr>
-  <mc:AlternateContent xmlns:mc="http://schemas.openxmlformats.org/markup-compatibility/2006" xmlns:p14="http://schemas.microsoft.com/office/powerpoint/2010/main">
-    <mc:Choice Requires="p14">
+  <mc:AlternateContent xmlns:mc="http://schemas.openxmlformats.org/markup-compatibility/2006">
+    <mc:Choice xmlns:p14="http://schemas.microsoft.com/office/powerpoint/2010/main" Requires="p14">
       <p:transition spd="med" p14:dur="700">
         <p:fade/>
       </p:transition>
     </mc:Choice>
-    <mc:Fallback xmlns="">
-      <p:transition xmlns:p14="http://schemas.microsoft.com/office/powerpoint/2010/main" spd="med">
+    <mc:Fallback>
+      <p:transition spd="med">
         <p:fade/>
       </p:transition>
     </mc:Fallback>
@@ -5439,9 +5851,14 @@
           <a:lstStyle/>
           <a:p>
             <a:r>
-              <a:rPr lang="en-US" dirty="0"/>
-              <a:t>Coalitions</a:t>
-            </a:r>
+              <a:rPr lang="en-US" dirty="0" smtClean="0"/>
+              <a:t>Organization’s </a:t>
+            </a:r>
+            <a:r>
+              <a:rPr lang="en-US" dirty="0" smtClean="0"/>
+              <a:t>Life</a:t>
+            </a:r>
+            <a:endParaRPr lang="en-US" dirty="0"/>
           </a:p>
         </p:txBody>
       </p:sp>
@@ -5462,48 +5879,42 @@
           <a:p>
             <a:r>
               <a:rPr lang="en-US" dirty="0" smtClean="0"/>
-              <a:t>Collaboration between SMOs</a:t>
-            </a:r>
-          </a:p>
-          <a:p>
-            <a:r>
-              <a:rPr lang="en-US" dirty="0" smtClean="0"/>
-              <a:t>Implies SMOs have shared goal</a:t>
-            </a:r>
-          </a:p>
-          <a:p>
-            <a:r>
-              <a:rPr lang="en-US" dirty="0" smtClean="0"/>
-              <a:t>Can be built on prior bonds or not</a:t>
-            </a:r>
-          </a:p>
-          <a:p>
-            <a:pPr lvl="1"/>
-            <a:r>
-              <a:rPr lang="en-US" dirty="0" smtClean="0"/>
-              <a:t>Feminist, pro-choice</a:t>
-            </a:r>
+              <a:t>Survive/grow</a:t>
+            </a:r>
+          </a:p>
+          <a:p>
+            <a:r>
+              <a:rPr lang="en-US" dirty="0" smtClean="0"/>
+              <a:t>Stagnate</a:t>
+            </a:r>
+          </a:p>
+          <a:p>
+            <a:r>
+              <a:rPr lang="en-US" dirty="0" smtClean="0"/>
+              <a:t>Become new organizations</a:t>
+            </a:r>
+            <a:endParaRPr lang="en-US" dirty="0"/>
           </a:p>
         </p:txBody>
       </p:sp>
     </p:spTree>
     <p:extLst>
       <p:ext uri="{BB962C8B-B14F-4D97-AF65-F5344CB8AC3E}">
-        <p14:creationId xmlns:p14="http://schemas.microsoft.com/office/powerpoint/2010/main" val="218395997"/>
+        <p14:creationId xmlns:p14="http://schemas.microsoft.com/office/powerpoint/2010/main" val="4071563659"/>
       </p:ext>
     </p:extLst>
   </p:cSld>
   <p:clrMapOvr>
     <a:masterClrMapping/>
   </p:clrMapOvr>
-  <mc:AlternateContent xmlns:mc="http://schemas.openxmlformats.org/markup-compatibility/2006" xmlns:p14="http://schemas.microsoft.com/office/powerpoint/2010/main">
-    <mc:Choice Requires="p14">
+  <mc:AlternateContent xmlns:mc="http://schemas.openxmlformats.org/markup-compatibility/2006">
+    <mc:Choice xmlns:p14="http://schemas.microsoft.com/office/powerpoint/2010/main" Requires="p14">
       <p:transition spd="med" p14:dur="700">
         <p:fade/>
       </p:transition>
     </mc:Choice>
-    <mc:Fallback xmlns="">
-      <p:transition xmlns:p14="http://schemas.microsoft.com/office/powerpoint/2010/main" spd="med">
+    <mc:Fallback>
+      <p:transition spd="med">
         <p:fade/>
       </p:transition>
     </mc:Fallback>
@@ -5544,9 +5955,10 @@
           <a:lstStyle/>
           <a:p>
             <a:r>
-              <a:rPr lang="en-US" dirty="0"/>
-              <a:t>Conflict</a:t>
-            </a:r>
+              <a:rPr lang="en-US" dirty="0" smtClean="0"/>
+              <a:t>Leadership</a:t>
+            </a:r>
+            <a:endParaRPr lang="en-US" dirty="0"/>
           </a:p>
         </p:txBody>
       </p:sp>
@@ -5567,35 +5979,13 @@
           <a:p>
             <a:r>
               <a:rPr lang="en-US" dirty="0" smtClean="0"/>
-              <a:t>Competition for resources</a:t>
-            </a:r>
-          </a:p>
-          <a:p>
-            <a:pPr lvl="1"/>
-            <a:r>
-              <a:rPr lang="en-US" dirty="0" smtClean="0"/>
-              <a:t>Money, time, energy, prestige</a:t>
-            </a:r>
-          </a:p>
-          <a:p>
-            <a:endParaRPr lang="en-US" dirty="0" smtClean="0"/>
-          </a:p>
-          <a:p>
-            <a:r>
-              <a:rPr lang="en-US" dirty="0" smtClean="0"/>
-              <a:t>When only a few SMOs in SMI, there will be enough resources to go around </a:t>
-            </a:r>
-          </a:p>
-          <a:p>
-            <a:r>
-              <a:rPr lang="en-US" dirty="0" smtClean="0"/>
-              <a:t>Resources diminish with more SMOs</a:t>
-            </a:r>
-          </a:p>
-          <a:p>
-            <a:r>
-              <a:rPr lang="en-US" dirty="0" smtClean="0"/>
-              <a:t>As SMOs fail/stagnate, successful SMOs grow and become ore centralized in SMI</a:t>
+              <a:t>Charismatic leader(s)</a:t>
+            </a:r>
+          </a:p>
+          <a:p>
+            <a:r>
+              <a:rPr lang="en-US" dirty="0" smtClean="0"/>
+              <a:t>Division of labor</a:t>
             </a:r>
             <a:endParaRPr lang="en-US" dirty="0"/>
           </a:p>
@@ -5604,21 +5994,21 @@
     </p:spTree>
     <p:extLst>
       <p:ext uri="{BB962C8B-B14F-4D97-AF65-F5344CB8AC3E}">
-        <p14:creationId xmlns:p14="http://schemas.microsoft.com/office/powerpoint/2010/main" val="3283954399"/>
+        <p14:creationId xmlns:p14="http://schemas.microsoft.com/office/powerpoint/2010/main" val="1999419750"/>
       </p:ext>
     </p:extLst>
   </p:cSld>
   <p:clrMapOvr>
     <a:masterClrMapping/>
   </p:clrMapOvr>
-  <mc:AlternateContent xmlns:mc="http://schemas.openxmlformats.org/markup-compatibility/2006" xmlns:p14="http://schemas.microsoft.com/office/powerpoint/2010/main">
-    <mc:Choice Requires="p14">
+  <mc:AlternateContent xmlns:mc="http://schemas.openxmlformats.org/markup-compatibility/2006">
+    <mc:Choice xmlns:p14="http://schemas.microsoft.com/office/powerpoint/2010/main" Requires="p14">
       <p:transition spd="med" p14:dur="700">
         <p:fade/>
       </p:transition>
     </mc:Choice>
-    <mc:Fallback xmlns="">
-      <p:transition xmlns:p14="http://schemas.microsoft.com/office/powerpoint/2010/main" spd="med">
+    <mc:Fallback>
+      <p:transition spd="med">
         <p:fade/>
       </p:transition>
     </mc:Fallback>
@@ -5660,7 +6050,7 @@
           <a:p>
             <a:r>
               <a:rPr lang="en-US" dirty="0" smtClean="0"/>
-              <a:t>What else changes?</a:t>
+              <a:t>Organization’s Forms/Structure</a:t>
             </a:r>
             <a:endParaRPr lang="en-US" dirty="0"/>
           </a:p>
@@ -5683,13 +6073,13 @@
           <a:p>
             <a:r>
               <a:rPr lang="en-US" dirty="0" smtClean="0"/>
-              <a:t>Strategies</a:t>
-            </a:r>
-          </a:p>
-          <a:p>
-            <a:r>
-              <a:rPr lang="en-US" dirty="0" smtClean="0"/>
-              <a:t>Tactics</a:t>
+              <a:t>Bureaucratize/Formalize</a:t>
+            </a:r>
+          </a:p>
+          <a:p>
+            <a:r>
+              <a:rPr lang="en-US" dirty="0" smtClean="0"/>
+              <a:t>Hierarchical Structures, Rules</a:t>
             </a:r>
             <a:endParaRPr lang="en-US" dirty="0"/>
           </a:p>
@@ -5698,32 +6088,25 @@
     </p:spTree>
     <p:extLst>
       <p:ext uri="{BB962C8B-B14F-4D97-AF65-F5344CB8AC3E}">
-        <p14:creationId xmlns:p14="http://schemas.microsoft.com/office/powerpoint/2010/main" val="341484985"/>
+        <p14:creationId xmlns:p14="http://schemas.microsoft.com/office/powerpoint/2010/main" val="1466896638"/>
       </p:ext>
     </p:extLst>
   </p:cSld>
   <p:clrMapOvr>
     <a:masterClrMapping/>
   </p:clrMapOvr>
-  <mc:AlternateContent xmlns:mc="http://schemas.openxmlformats.org/markup-compatibility/2006" xmlns:p14="http://schemas.microsoft.com/office/powerpoint/2010/main">
-    <mc:Choice Requires="p14">
+  <mc:AlternateContent xmlns:mc="http://schemas.openxmlformats.org/markup-compatibility/2006">
+    <mc:Choice xmlns:p14="http://schemas.microsoft.com/office/powerpoint/2010/main" Requires="p14">
       <p:transition spd="med" p14:dur="700">
         <p:fade/>
       </p:transition>
     </mc:Choice>
-    <mc:Fallback xmlns="">
-      <p:transition xmlns:p14="http://schemas.microsoft.com/office/powerpoint/2010/main" spd="med">
+    <mc:Fallback>
+      <p:transition spd="med">
         <p:fade/>
       </p:transition>
     </mc:Fallback>
   </mc:AlternateContent>
-  <p:timing>
-    <p:tnLst>
-      <p:par>
-        <p:cTn id="1" dur="indefinite" restart="never" nodeType="tmRoot"/>
-      </p:par>
-    </p:tnLst>
-  </p:timing>
 </p:sld>
 </file>
 
@@ -5761,7 +6144,7 @@
           <a:p>
             <a:r>
               <a:rPr lang="en-US" dirty="0" smtClean="0"/>
-              <a:t>Strategy</a:t>
+              <a:t>What else changes?</a:t>
             </a:r>
             <a:endParaRPr lang="en-US" dirty="0"/>
           </a:p>
@@ -5784,14 +6167,13 @@
           <a:p>
             <a:r>
               <a:rPr lang="en-US" dirty="0" smtClean="0"/>
-              <a:t>Broad organizing plan/scheme for accomplishing a goal</a:t>
-            </a:r>
-          </a:p>
-          <a:p>
-            <a:pPr lvl="1"/>
-            <a:r>
-              <a:rPr lang="en-US" dirty="0" smtClean="0"/>
-              <a:t>Nonviolence, Assertive Political Action, Violence</a:t>
+              <a:t>Strategies</a:t>
+            </a:r>
+          </a:p>
+          <a:p>
+            <a:r>
+              <a:rPr lang="en-US" dirty="0" smtClean="0"/>
+              <a:t>Tactics</a:t>
             </a:r>
             <a:endParaRPr lang="en-US" dirty="0"/>
           </a:p>
@@ -5800,21 +6182,21 @@
     </p:spTree>
     <p:extLst>
       <p:ext uri="{BB962C8B-B14F-4D97-AF65-F5344CB8AC3E}">
-        <p14:creationId xmlns:p14="http://schemas.microsoft.com/office/powerpoint/2010/main" val="3752315236"/>
+        <p14:creationId xmlns:p14="http://schemas.microsoft.com/office/powerpoint/2010/main" val="341484985"/>
       </p:ext>
     </p:extLst>
   </p:cSld>
   <p:clrMapOvr>
     <a:masterClrMapping/>
   </p:clrMapOvr>
-  <mc:AlternateContent xmlns:mc="http://schemas.openxmlformats.org/markup-compatibility/2006" xmlns:p14="http://schemas.microsoft.com/office/powerpoint/2010/main">
-    <mc:Choice Requires="p14">
+  <mc:AlternateContent xmlns:mc="http://schemas.openxmlformats.org/markup-compatibility/2006">
+    <mc:Choice xmlns:p14="http://schemas.microsoft.com/office/powerpoint/2010/main" Requires="p14">
       <p:transition spd="med" p14:dur="700">
         <p:fade/>
       </p:transition>
     </mc:Choice>
-    <mc:Fallback xmlns="">
-      <p:transition xmlns:p14="http://schemas.microsoft.com/office/powerpoint/2010/main" spd="med">
+    <mc:Fallback>
+      <p:transition spd="med">
         <p:fade/>
       </p:transition>
     </mc:Fallback>
@@ -5863,7 +6245,7 @@
           <a:p>
             <a:r>
               <a:rPr lang="en-US" dirty="0" smtClean="0"/>
-              <a:t>Tactic</a:t>
+              <a:t>Strategy</a:t>
             </a:r>
             <a:endParaRPr lang="en-US" dirty="0"/>
           </a:p>
@@ -5886,62 +6268,48 @@
           <a:p>
             <a:r>
               <a:rPr lang="en-US" dirty="0" smtClean="0"/>
-              <a:t>Reflection of the strategy</a:t>
-            </a:r>
-          </a:p>
-          <a:p>
-            <a:r>
-              <a:rPr lang="en-US" dirty="0" smtClean="0"/>
-              <a:t>Specific techniques through which strategies are implemented</a:t>
+              <a:t>Broad organizing plan/scheme for accomplishing a goal</a:t>
             </a:r>
           </a:p>
           <a:p>
             <a:pPr lvl="1"/>
             <a:r>
               <a:rPr lang="en-US" dirty="0" smtClean="0"/>
-              <a:t>Sit</a:t>
-            </a:r>
-            <a:r>
-              <a:rPr lang="en-US" dirty="0"/>
-              <a:t>-ins and </a:t>
-            </a:r>
-            <a:r>
-              <a:rPr lang="en-US" dirty="0" smtClean="0"/>
-              <a:t>boycotts, endorsing candidates and bills, riots </a:t>
-            </a:r>
-            <a:r>
-              <a:rPr lang="en-US" dirty="0"/>
-              <a:t>and burning </a:t>
-            </a:r>
-            <a:r>
-              <a:rPr lang="en-US" dirty="0" smtClean="0"/>
-              <a:t>buildings</a:t>
-            </a:r>
+              <a:t>Nonviolence, Assertive Political Action, Violence</a:t>
+            </a:r>
+            <a:endParaRPr lang="en-US" dirty="0"/>
           </a:p>
         </p:txBody>
       </p:sp>
     </p:spTree>
     <p:extLst>
       <p:ext uri="{BB962C8B-B14F-4D97-AF65-F5344CB8AC3E}">
-        <p14:creationId xmlns:p14="http://schemas.microsoft.com/office/powerpoint/2010/main" val="4027826558"/>
+        <p14:creationId xmlns:p14="http://schemas.microsoft.com/office/powerpoint/2010/main" val="3752315236"/>
       </p:ext>
     </p:extLst>
   </p:cSld>
   <p:clrMapOvr>
     <a:masterClrMapping/>
   </p:clrMapOvr>
-  <mc:AlternateContent xmlns:mc="http://schemas.openxmlformats.org/markup-compatibility/2006" xmlns:p14="http://schemas.microsoft.com/office/powerpoint/2010/main">
-    <mc:Choice Requires="p14">
+  <mc:AlternateContent xmlns:mc="http://schemas.openxmlformats.org/markup-compatibility/2006">
+    <mc:Choice xmlns:p14="http://schemas.microsoft.com/office/powerpoint/2010/main" Requires="p14">
       <p:transition spd="med" p14:dur="700">
         <p:fade/>
       </p:transition>
     </mc:Choice>
-    <mc:Fallback xmlns="">
-      <p:transition xmlns:p14="http://schemas.microsoft.com/office/powerpoint/2010/main" spd="med">
+    <mc:Fallback>
+      <p:transition spd="med">
         <p:fade/>
       </p:transition>
     </mc:Fallback>
   </mc:AlternateContent>
+  <p:timing>
+    <p:tnLst>
+      <p:par>
+        <p:cTn id="1" dur="indefinite" restart="never" nodeType="tmRoot"/>
+      </p:par>
+    </p:tnLst>
+  </p:timing>
 </p:sld>
 </file>
 
@@ -5974,14 +6342,12 @@
         </p:nvSpPr>
         <p:spPr/>
         <p:txBody>
-          <a:bodyPr>
-            <a:normAutofit/>
-          </a:bodyPr>
-          <a:lstStyle/>
-          <a:p>
-            <a:r>
-              <a:rPr lang="en-US" dirty="0" smtClean="0"/>
-              <a:t>Why do Strategies/Tactics Change (Internally)?</a:t>
+          <a:bodyPr/>
+          <a:lstStyle/>
+          <a:p>
+            <a:r>
+              <a:rPr lang="en-US" dirty="0" smtClean="0"/>
+              <a:t>Tactic</a:t>
             </a:r>
             <a:endParaRPr lang="en-US" dirty="0"/>
           </a:p>
@@ -6004,62 +6370,65 @@
           <a:p>
             <a:r>
               <a:rPr lang="en-US" dirty="0" smtClean="0"/>
-              <a:t>Based on underlying goals, values, beliefs</a:t>
-            </a:r>
-            <a:r>
-              <a:rPr lang="is-IS" dirty="0" smtClean="0"/>
-              <a:t>… of the leaders and members</a:t>
+              <a:t>Reflection of </a:t>
+            </a:r>
+            <a:r>
+              <a:rPr lang="en-US" dirty="0" smtClean="0"/>
+              <a:t>strategy</a:t>
+            </a:r>
+          </a:p>
+          <a:p>
+            <a:endParaRPr lang="en-US" dirty="0" smtClean="0"/>
+          </a:p>
+          <a:p>
+            <a:r>
+              <a:rPr lang="en-US" dirty="0" smtClean="0"/>
+              <a:t>Specific techniques through which strategies are implemented</a:t>
             </a:r>
           </a:p>
           <a:p>
             <a:pPr lvl="1"/>
             <a:r>
-              <a:rPr lang="is-IS" dirty="0" smtClean="0"/>
-              <a:t>What is most effective?</a:t>
-            </a:r>
-          </a:p>
-          <a:p>
-            <a:pPr lvl="1"/>
-            <a:r>
-              <a:rPr lang="is-IS" dirty="0" smtClean="0"/>
-              <a:t>What is most appropriate for our cause?</a:t>
-            </a:r>
-          </a:p>
-          <a:p>
-            <a:pPr lvl="1"/>
-            <a:r>
-              <a:rPr lang="is-IS" dirty="0" smtClean="0"/>
-              <a:t>What kind of organization do we want to be?</a:t>
-            </a:r>
-          </a:p>
-          <a:p>
-            <a:pPr lvl="1"/>
-            <a:r>
-              <a:rPr lang="is-IS" dirty="0" smtClean="0"/>
-              <a:t>What do I like as a tactic?</a:t>
-            </a:r>
-            <a:endParaRPr lang="en-US" dirty="0"/>
+              <a:rPr lang="en-US" dirty="0" smtClean="0"/>
+              <a:t>Sit</a:t>
+            </a:r>
+            <a:r>
+              <a:rPr lang="en-US" dirty="0"/>
+              <a:t>-ins and </a:t>
+            </a:r>
+            <a:r>
+              <a:rPr lang="en-US" dirty="0" smtClean="0"/>
+              <a:t>boycotts, endorsing candidates and bills, riots </a:t>
+            </a:r>
+            <a:r>
+              <a:rPr lang="en-US" dirty="0"/>
+              <a:t>and burning </a:t>
+            </a:r>
+            <a:r>
+              <a:rPr lang="en-US" dirty="0" smtClean="0"/>
+              <a:t>buildings</a:t>
+            </a:r>
           </a:p>
         </p:txBody>
       </p:sp>
     </p:spTree>
     <p:extLst>
       <p:ext uri="{BB962C8B-B14F-4D97-AF65-F5344CB8AC3E}">
-        <p14:creationId xmlns:p14="http://schemas.microsoft.com/office/powerpoint/2010/main" val="1641049616"/>
+        <p14:creationId xmlns:p14="http://schemas.microsoft.com/office/powerpoint/2010/main" val="4027826558"/>
       </p:ext>
     </p:extLst>
   </p:cSld>
   <p:clrMapOvr>
     <a:masterClrMapping/>
   </p:clrMapOvr>
-  <mc:AlternateContent xmlns:mc="http://schemas.openxmlformats.org/markup-compatibility/2006" xmlns:p14="http://schemas.microsoft.com/office/powerpoint/2010/main">
-    <mc:Choice Requires="p14">
+  <mc:AlternateContent xmlns:mc="http://schemas.openxmlformats.org/markup-compatibility/2006">
+    <mc:Choice xmlns:p14="http://schemas.microsoft.com/office/powerpoint/2010/main" Requires="p14">
       <p:transition spd="med" p14:dur="700">
         <p:fade/>
       </p:transition>
     </mc:Choice>
-    <mc:Fallback xmlns="">
-      <p:transition xmlns:p14="http://schemas.microsoft.com/office/powerpoint/2010/main" spd="med">
+    <mc:Fallback>
+      <p:transition spd="med">
         <p:fade/>
       </p:transition>
     </mc:Fallback>
@@ -6100,8 +6469,8 @@
           <a:lstStyle/>
           <a:p>
             <a:r>
-              <a:rPr lang="en-US" dirty="0" smtClean="0"/>
-              <a:t>Questions on Dynamics and Tactics</a:t>
+              <a:rPr lang="en-US" smtClean="0"/>
+              <a:t>Concept Quiz #3</a:t>
             </a:r>
             <a:endParaRPr lang="en-US" dirty="0"/>
           </a:p>
@@ -6124,36 +6493,71 @@
           <a:p>
             <a:r>
               <a:rPr lang="en-US" dirty="0" smtClean="0"/>
-              <a:t>What do movements do after they emerge? </a:t>
-            </a:r>
+              <a:t>Choose one of the following, and explain why it is critical for social movement participation</a:t>
+            </a:r>
+          </a:p>
+          <a:p>
+            <a:endParaRPr lang="en-US" dirty="0"/>
           </a:p>
           <a:p>
             <a:pPr lvl="1"/>
             <a:r>
               <a:rPr lang="en-US" dirty="0" smtClean="0"/>
-              <a:t>Change</a:t>
-            </a:r>
+              <a:t>Social Networks</a:t>
+            </a:r>
+          </a:p>
+          <a:p>
+            <a:pPr lvl="1"/>
+            <a:r>
+              <a:rPr lang="en-US" dirty="0" smtClean="0"/>
+              <a:t>Collective Identity</a:t>
+            </a:r>
+          </a:p>
+          <a:p>
+            <a:pPr lvl="1"/>
+            <a:r>
+              <a:rPr lang="en-US" dirty="0" smtClean="0"/>
+              <a:t>Collective Efficacy</a:t>
+            </a:r>
+          </a:p>
+          <a:p>
+            <a:pPr lvl="1"/>
+            <a:r>
+              <a:rPr lang="en-US" dirty="0" smtClean="0"/>
+              <a:t>Biographical Availability</a:t>
+            </a:r>
+          </a:p>
+          <a:p>
+            <a:pPr lvl="1"/>
+            <a:r>
+              <a:rPr lang="en-US" dirty="0" smtClean="0"/>
+              <a:t>Socialization</a:t>
+            </a:r>
+          </a:p>
+          <a:p>
+            <a:pPr lvl="1"/>
+            <a:endParaRPr lang="en-US" dirty="0"/>
           </a:p>
         </p:txBody>
       </p:sp>
     </p:spTree>
     <p:extLst>
       <p:ext uri="{BB962C8B-B14F-4D97-AF65-F5344CB8AC3E}">
-        <p14:creationId xmlns:p14="http://schemas.microsoft.com/office/powerpoint/2010/main" val="304594498"/>
+        <p14:creationId xmlns:p14="http://schemas.microsoft.com/office/powerpoint/2010/main" val="353873685"/>
       </p:ext>
     </p:extLst>
   </p:cSld>
   <p:clrMapOvr>
     <a:masterClrMapping/>
   </p:clrMapOvr>
-  <mc:AlternateContent xmlns:mc="http://schemas.openxmlformats.org/markup-compatibility/2006" xmlns:p14="http://schemas.microsoft.com/office/powerpoint/2010/main">
-    <mc:Choice Requires="p14">
+  <mc:AlternateContent xmlns:mc="http://schemas.openxmlformats.org/markup-compatibility/2006">
+    <mc:Choice xmlns:p14="http://schemas.microsoft.com/office/powerpoint/2010/main" Requires="p14">
       <p:transition spd="med" p14:dur="700">
         <p:fade/>
       </p:transition>
     </mc:Choice>
-    <mc:Fallback xmlns="">
-      <p:transition xmlns:p14="http://schemas.microsoft.com/office/powerpoint/2010/main" spd="med">
+    <mc:Fallback>
+      <p:transition spd="med">
         <p:fade/>
       </p:transition>
     </mc:Fallback>
@@ -6191,22 +6595,15 @@
         <p:spPr/>
         <p:txBody>
           <a:bodyPr>
-            <a:normAutofit fontScale="90000"/>
+            <a:normAutofit/>
           </a:bodyPr>
           <a:lstStyle/>
           <a:p>
             <a:r>
-              <a:rPr lang="en-US" dirty="0"/>
-              <a:t>Why do Strategies/Tactics Change </a:t>
-            </a:r>
-            <a:r>
-              <a:rPr lang="en-US" dirty="0" smtClean="0"/>
-              <a:t>(Externally</a:t>
-            </a:r>
-            <a:r>
-              <a:rPr lang="en-US" dirty="0"/>
-              <a:t>)?</a:t>
-            </a:r>
+              <a:rPr lang="en-US" dirty="0" smtClean="0"/>
+              <a:t>Why do Strategies/Tactics Change (Internally)?</a:t>
+            </a:r>
+            <a:endParaRPr lang="en-US" dirty="0"/>
           </a:p>
         </p:txBody>
       </p:sp>
@@ -6227,25 +6624,39 @@
           <a:p>
             <a:r>
               <a:rPr lang="en-US" dirty="0" smtClean="0"/>
-              <a:t>Repertoires of contention</a:t>
-            </a:r>
-          </a:p>
-          <a:p>
-            <a:r>
-              <a:rPr lang="en-US" dirty="0" smtClean="0"/>
-              <a:t>Portrayals/perceptions of movement</a:t>
-            </a:r>
-          </a:p>
-          <a:p>
-            <a:r>
-              <a:rPr lang="en-US" dirty="0" smtClean="0"/>
-              <a:t>Policing</a:t>
-            </a:r>
-          </a:p>
-          <a:p>
-            <a:r>
-              <a:rPr lang="en-US" dirty="0" smtClean="0"/>
-              <a:t>Innovation, Adaptation, Diffusion</a:t>
+              <a:t>Based on underlying goals, values, beliefs</a:t>
+            </a:r>
+            <a:r>
+              <a:rPr lang="is-IS" dirty="0" smtClean="0"/>
+              <a:t>… of the leaders and members</a:t>
+            </a:r>
+          </a:p>
+          <a:p>
+            <a:pPr lvl="1"/>
+            <a:r>
+              <a:rPr lang="is-IS" dirty="0" smtClean="0"/>
+              <a:t>What is most effective?</a:t>
+            </a:r>
+          </a:p>
+          <a:p>
+            <a:pPr lvl="1"/>
+            <a:r>
+              <a:rPr lang="is-IS" dirty="0" smtClean="0"/>
+              <a:t>What is most appropriate for our cause?</a:t>
+            </a:r>
+          </a:p>
+          <a:p>
+            <a:pPr lvl="1"/>
+            <a:r>
+              <a:rPr lang="is-IS" dirty="0" smtClean="0"/>
+              <a:t>What kind of organization do we want to be?</a:t>
+            </a:r>
+          </a:p>
+          <a:p>
+            <a:pPr lvl="1"/>
+            <a:r>
+              <a:rPr lang="is-IS" dirty="0" smtClean="0"/>
+              <a:t>What do I like as a tactic?</a:t>
             </a:r>
             <a:endParaRPr lang="en-US" dirty="0"/>
           </a:p>
@@ -6254,25 +6665,32 @@
     </p:spTree>
     <p:extLst>
       <p:ext uri="{BB962C8B-B14F-4D97-AF65-F5344CB8AC3E}">
-        <p14:creationId xmlns:p14="http://schemas.microsoft.com/office/powerpoint/2010/main" val="3726066682"/>
+        <p14:creationId xmlns:p14="http://schemas.microsoft.com/office/powerpoint/2010/main" val="1641049616"/>
       </p:ext>
     </p:extLst>
   </p:cSld>
   <p:clrMapOvr>
     <a:masterClrMapping/>
   </p:clrMapOvr>
-  <mc:AlternateContent xmlns:mc="http://schemas.openxmlformats.org/markup-compatibility/2006" xmlns:p14="http://schemas.microsoft.com/office/powerpoint/2010/main">
-    <mc:Choice Requires="p14">
+  <mc:AlternateContent xmlns:mc="http://schemas.openxmlformats.org/markup-compatibility/2006">
+    <mc:Choice xmlns:p14="http://schemas.microsoft.com/office/powerpoint/2010/main" Requires="p14">
       <p:transition spd="med" p14:dur="700">
         <p:fade/>
       </p:transition>
     </mc:Choice>
-    <mc:Fallback xmlns="">
-      <p:transition xmlns:p14="http://schemas.microsoft.com/office/powerpoint/2010/main" spd="med">
+    <mc:Fallback>
+      <p:transition spd="med">
         <p:fade/>
       </p:transition>
     </mc:Fallback>
   </mc:AlternateContent>
+  <p:timing>
+    <p:tnLst>
+      <p:par>
+        <p:cTn id="1" dur="indefinite" restart="never" nodeType="tmRoot"/>
+      </p:par>
+    </p:tnLst>
+  </p:timing>
 </p:sld>
 </file>
 
@@ -6305,14 +6723,23 @@
         </p:nvSpPr>
         <p:spPr/>
         <p:txBody>
-          <a:bodyPr/>
-          <a:lstStyle/>
-          <a:p>
-            <a:r>
-              <a:rPr lang="en-US" dirty="0" smtClean="0"/>
-              <a:t>Repertoires of Contention</a:t>
-            </a:r>
-            <a:endParaRPr lang="en-US" dirty="0"/>
+          <a:bodyPr>
+            <a:normAutofit/>
+          </a:bodyPr>
+          <a:lstStyle/>
+          <a:p>
+            <a:r>
+              <a:rPr lang="en-US" dirty="0"/>
+              <a:t>Why do Strategies/Tactics Change </a:t>
+            </a:r>
+            <a:r>
+              <a:rPr lang="en-US" dirty="0" smtClean="0"/>
+              <a:t>(Externally</a:t>
+            </a:r>
+            <a:r>
+              <a:rPr lang="en-US" dirty="0"/>
+              <a:t>)?</a:t>
+            </a:r>
           </a:p>
         </p:txBody>
       </p:sp>
@@ -6333,47 +6760,25 @@
           <a:p>
             <a:r>
               <a:rPr lang="en-US" dirty="0" smtClean="0"/>
-              <a:t>Clustering or patterning of tactics in time periods and cultural space</a:t>
-            </a:r>
-          </a:p>
-          <a:p>
-            <a:pPr lvl="1"/>
-            <a:r>
-              <a:rPr lang="en-US" dirty="0" smtClean="0"/>
-              <a:t>Food riots, grain seizures (1800s-1900s)</a:t>
-            </a:r>
-          </a:p>
-          <a:p>
-            <a:pPr lvl="1"/>
-            <a:r>
-              <a:rPr lang="en-US" dirty="0" smtClean="0"/>
-              <a:t>Labor strikes (1900s-1940s)</a:t>
-            </a:r>
-          </a:p>
-          <a:p>
-            <a:pPr lvl="1"/>
-            <a:r>
-              <a:rPr lang="en-US" dirty="0" smtClean="0"/>
-              <a:t>Sit-ins, boycotts, marches (1950s-1970s)</a:t>
-            </a:r>
-          </a:p>
-          <a:p>
-            <a:pPr lvl="1"/>
-            <a:r>
-              <a:rPr lang="en-US" dirty="0" err="1" smtClean="0"/>
-              <a:t>Retweets</a:t>
-            </a:r>
-            <a:r>
-              <a:rPr lang="en-US" dirty="0" smtClean="0"/>
-              <a:t>, </a:t>
-            </a:r>
-            <a:r>
-              <a:rPr lang="en-US" dirty="0" err="1" smtClean="0"/>
-              <a:t>hacktivism</a:t>
-            </a:r>
-            <a:r>
-              <a:rPr lang="en-US" dirty="0" smtClean="0"/>
-              <a:t> (2000s-present) </a:t>
+              <a:t>Repertoires of contention</a:t>
+            </a:r>
+          </a:p>
+          <a:p>
+            <a:r>
+              <a:rPr lang="en-US" dirty="0" smtClean="0"/>
+              <a:t>Portrayals/perceptions of movement</a:t>
+            </a:r>
+          </a:p>
+          <a:p>
+            <a:r>
+              <a:rPr lang="en-US" dirty="0" smtClean="0"/>
+              <a:t>Policing</a:t>
+            </a:r>
+          </a:p>
+          <a:p>
+            <a:r>
+              <a:rPr lang="en-US" dirty="0" smtClean="0"/>
+              <a:t>Innovation, Adaptation, Diffusion</a:t>
             </a:r>
             <a:endParaRPr lang="en-US" dirty="0"/>
           </a:p>
@@ -6382,25 +6787,32 @@
     </p:spTree>
     <p:extLst>
       <p:ext uri="{BB962C8B-B14F-4D97-AF65-F5344CB8AC3E}">
-        <p14:creationId xmlns:p14="http://schemas.microsoft.com/office/powerpoint/2010/main" val="3416999288"/>
+        <p14:creationId xmlns:p14="http://schemas.microsoft.com/office/powerpoint/2010/main" val="3726066682"/>
       </p:ext>
     </p:extLst>
   </p:cSld>
   <p:clrMapOvr>
     <a:masterClrMapping/>
   </p:clrMapOvr>
-  <mc:AlternateContent xmlns:mc="http://schemas.openxmlformats.org/markup-compatibility/2006" xmlns:p14="http://schemas.microsoft.com/office/powerpoint/2010/main">
-    <mc:Choice Requires="p14">
+  <mc:AlternateContent xmlns:mc="http://schemas.openxmlformats.org/markup-compatibility/2006">
+    <mc:Choice xmlns:p14="http://schemas.microsoft.com/office/powerpoint/2010/main" Requires="p14">
       <p:transition spd="med" p14:dur="700">
         <p:fade/>
       </p:transition>
     </mc:Choice>
-    <mc:Fallback xmlns="">
-      <p:transition xmlns:p14="http://schemas.microsoft.com/office/powerpoint/2010/main" spd="med">
+    <mc:Fallback>
+      <p:transition spd="med">
         <p:fade/>
       </p:transition>
     </mc:Fallback>
   </mc:AlternateContent>
+  <p:timing>
+    <p:tnLst>
+      <p:par>
+        <p:cTn id="1" dur="indefinite" restart="never" nodeType="tmRoot"/>
+      </p:par>
+    </p:tnLst>
+  </p:timing>
 </p:sld>
 </file>
 
@@ -6461,72 +6873,160 @@
           <a:p>
             <a:r>
               <a:rPr lang="en-US" dirty="0" smtClean="0"/>
-              <a:t>Historically constrained by three factors:</a:t>
+              <a:t>Clustering or patterning of tactics in time periods and cultural space</a:t>
             </a:r>
           </a:p>
           <a:p>
             <a:pPr lvl="1"/>
             <a:r>
               <a:rPr lang="en-US" dirty="0" smtClean="0"/>
-              <a:t>Social structure</a:t>
-            </a:r>
-          </a:p>
-          <a:p>
-            <a:pPr lvl="2"/>
-            <a:r>
-              <a:rPr lang="en-US" dirty="0" smtClean="0"/>
-              <a:t>Mostly labor strikes when we were agrarian society</a:t>
+              <a:t>Food riots, grain seizures (1800s-1900s)</a:t>
             </a:r>
           </a:p>
           <a:p>
             <a:pPr lvl="1"/>
             <a:r>
               <a:rPr lang="en-US" dirty="0" smtClean="0"/>
-              <a:t>New movements with alternative goals</a:t>
-            </a:r>
-          </a:p>
-          <a:p>
-            <a:pPr lvl="2"/>
-            <a:r>
-              <a:rPr lang="en-US" dirty="0" smtClean="0"/>
-              <a:t>Conservative movements sought legal mobilization over street protest</a:t>
+              <a:t>Labor strikes (1900s-1940s)</a:t>
             </a:r>
           </a:p>
           <a:p>
             <a:pPr lvl="1"/>
             <a:r>
               <a:rPr lang="en-US" dirty="0" smtClean="0"/>
-              <a:t>Technological developments</a:t>
-            </a:r>
-          </a:p>
-          <a:p>
-            <a:pPr lvl="2"/>
-            <a:r>
-              <a:rPr lang="en-US" dirty="0" smtClean="0"/>
-              <a:t>Email, radio, printing press, internet all create new possibilities for tactical change</a:t>
+              <a:t>Sit-ins, boycotts, marches (1950s-1970s)</a:t>
+            </a:r>
+          </a:p>
+          <a:p>
+            <a:pPr lvl="1"/>
+            <a:r>
+              <a:rPr lang="en-US" dirty="0" err="1" smtClean="0"/>
+              <a:t>Retweets</a:t>
+            </a:r>
+            <a:r>
+              <a:rPr lang="en-US" dirty="0" smtClean="0"/>
+              <a:t>, </a:t>
+            </a:r>
+            <a:r>
+              <a:rPr lang="en-US" dirty="0" err="1" smtClean="0"/>
+              <a:t>hacktivism</a:t>
+            </a:r>
+            <a:r>
+              <a:rPr lang="en-US" dirty="0" smtClean="0"/>
+              <a:t> (2000s-present) </a:t>
             </a:r>
             <a:endParaRPr lang="en-US" dirty="0"/>
           </a:p>
         </p:txBody>
       </p:sp>
+      <p:pic>
+        <p:nvPicPr>
+          <p:cNvPr id="4" name="Picture 3"/>
+          <p:cNvPicPr>
+            <a:picLocks noChangeAspect="1"/>
+          </p:cNvPicPr>
+          <p:nvPr/>
+        </p:nvPicPr>
+        <p:blipFill>
+          <a:blip r:embed="rId2">
+            <a:extLst>
+              <a:ext uri="{28A0092B-C50C-407E-A947-70E740481C1C}">
+                <a14:useLocalDpi xmlns:a14="http://schemas.microsoft.com/office/drawing/2010/main" val="0"/>
+              </a:ext>
+            </a:extLst>
+          </a:blip>
+          <a:stretch>
+            <a:fillRect/>
+          </a:stretch>
+        </p:blipFill>
+        <p:spPr>
+          <a:xfrm>
+            <a:off x="531819" y="3848100"/>
+            <a:ext cx="1828800" cy="2340864"/>
+          </a:xfrm>
+          <a:prstGeom prst="rect">
+            <a:avLst/>
+          </a:prstGeom>
+        </p:spPr>
+      </p:pic>
+      <p:pic>
+        <p:nvPicPr>
+          <p:cNvPr id="5" name="Picture 4"/>
+          <p:cNvPicPr>
+            <a:picLocks noChangeAspect="1"/>
+          </p:cNvPicPr>
+          <p:nvPr/>
+        </p:nvPicPr>
+        <p:blipFill>
+          <a:blip r:embed="rId3">
+            <a:extLst>
+              <a:ext uri="{28A0092B-C50C-407E-A947-70E740481C1C}">
+                <a14:useLocalDpi xmlns:a14="http://schemas.microsoft.com/office/drawing/2010/main" val="0"/>
+              </a:ext>
+            </a:extLst>
+          </a:blip>
+          <a:stretch>
+            <a:fillRect/>
+          </a:stretch>
+        </p:blipFill>
+        <p:spPr>
+          <a:xfrm>
+            <a:off x="3027231" y="4063646"/>
+            <a:ext cx="5182168" cy="1909763"/>
+          </a:xfrm>
+          <a:prstGeom prst="rect">
+            <a:avLst/>
+          </a:prstGeom>
+        </p:spPr>
+      </p:pic>
+      <p:pic>
+        <p:nvPicPr>
+          <p:cNvPr id="6" name="Picture 5"/>
+          <p:cNvPicPr>
+            <a:picLocks noChangeAspect="1"/>
+          </p:cNvPicPr>
+          <p:nvPr/>
+        </p:nvPicPr>
+        <p:blipFill>
+          <a:blip r:embed="rId4">
+            <a:extLst>
+              <a:ext uri="{28A0092B-C50C-407E-A947-70E740481C1C}">
+                <a14:useLocalDpi xmlns:a14="http://schemas.microsoft.com/office/drawing/2010/main" val="0"/>
+              </a:ext>
+            </a:extLst>
+          </a:blip>
+          <a:stretch>
+            <a:fillRect/>
+          </a:stretch>
+        </p:blipFill>
+        <p:spPr>
+          <a:xfrm>
+            <a:off x="8782939" y="4146989"/>
+            <a:ext cx="2905125" cy="1743075"/>
+          </a:xfrm>
+          <a:prstGeom prst="rect">
+            <a:avLst/>
+          </a:prstGeom>
+        </p:spPr>
+      </p:pic>
     </p:spTree>
     <p:extLst>
       <p:ext uri="{BB962C8B-B14F-4D97-AF65-F5344CB8AC3E}">
-        <p14:creationId xmlns:p14="http://schemas.microsoft.com/office/powerpoint/2010/main" val="2490636963"/>
+        <p14:creationId xmlns:p14="http://schemas.microsoft.com/office/powerpoint/2010/main" val="3416999288"/>
       </p:ext>
     </p:extLst>
   </p:cSld>
   <p:clrMapOvr>
     <a:masterClrMapping/>
   </p:clrMapOvr>
-  <mc:AlternateContent xmlns:mc="http://schemas.openxmlformats.org/markup-compatibility/2006" xmlns:p14="http://schemas.microsoft.com/office/powerpoint/2010/main">
-    <mc:Choice Requires="p14">
+  <mc:AlternateContent xmlns:mc="http://schemas.openxmlformats.org/markup-compatibility/2006">
+    <mc:Choice xmlns:p14="http://schemas.microsoft.com/office/powerpoint/2010/main" Requires="p14">
       <p:transition spd="med" p14:dur="700">
         <p:fade/>
       </p:transition>
     </mc:Choice>
-    <mc:Fallback xmlns="">
-      <p:transition xmlns:p14="http://schemas.microsoft.com/office/powerpoint/2010/main" spd="med">
+    <mc:Fallback>
+      <p:transition spd="med">
         <p:fade/>
       </p:transition>
     </mc:Fallback>
@@ -6568,7 +7068,7 @@
           <a:p>
             <a:r>
               <a:rPr lang="en-US" dirty="0" smtClean="0"/>
-              <a:t>Portrayals of the Movement</a:t>
+              <a:t>Exercise: CSUF Student Parking</a:t>
             </a:r>
             <a:endParaRPr lang="en-US" dirty="0"/>
           </a:p>
@@ -6591,33 +7091,29 @@
           <a:p>
             <a:r>
               <a:rPr lang="en-US" dirty="0" smtClean="0"/>
-              <a:t>Tactical options depend on how movement is defined by those in position to react to it</a:t>
-            </a:r>
-          </a:p>
-          <a:p>
-            <a:pPr lvl="1"/>
-            <a:r>
-              <a:rPr lang="en-US" dirty="0" smtClean="0"/>
-              <a:t>Public</a:t>
-            </a:r>
-          </a:p>
-          <a:p>
-            <a:pPr lvl="1"/>
-            <a:r>
-              <a:rPr lang="en-US" dirty="0" smtClean="0"/>
-              <a:t>Government</a:t>
-            </a:r>
-          </a:p>
-          <a:p>
-            <a:pPr lvl="1"/>
+              <a:t>What tactic would you choose and why?</a:t>
+            </a:r>
+          </a:p>
+          <a:p>
+            <a:endParaRPr lang="en-US" dirty="0" smtClean="0"/>
+          </a:p>
+          <a:p>
+            <a:r>
+              <a:rPr lang="en-US" dirty="0" smtClean="0"/>
+              <a:t>Would prior repertoires work for the movement? </a:t>
+            </a:r>
+          </a:p>
+          <a:p>
             <a:endParaRPr lang="en-US" dirty="0"/>
           </a:p>
           <a:p>
-            <a:pPr lvl="1"/>
-            <a:r>
-              <a:rPr lang="en-US" dirty="0" smtClean="0"/>
-              <a:t>If viewed poorly, rioting will only further delegitimize the movement</a:t>
-            </a:r>
+            <a:r>
+              <a:rPr lang="en-US" dirty="0" smtClean="0"/>
+              <a:t>How could you incorporate current repertoires?</a:t>
+            </a:r>
+            <a:endParaRPr lang="en-US" dirty="0"/>
+          </a:p>
+          <a:p>
             <a:endParaRPr lang="en-US" dirty="0"/>
           </a:p>
         </p:txBody>
@@ -6625,21 +7121,21 @@
     </p:spTree>
     <p:extLst>
       <p:ext uri="{BB962C8B-B14F-4D97-AF65-F5344CB8AC3E}">
-        <p14:creationId xmlns:p14="http://schemas.microsoft.com/office/powerpoint/2010/main" val="2918187648"/>
+        <p14:creationId xmlns:p14="http://schemas.microsoft.com/office/powerpoint/2010/main" val="1422968507"/>
       </p:ext>
     </p:extLst>
   </p:cSld>
   <p:clrMapOvr>
     <a:masterClrMapping/>
   </p:clrMapOvr>
-  <mc:AlternateContent xmlns:mc="http://schemas.openxmlformats.org/markup-compatibility/2006" xmlns:p14="http://schemas.microsoft.com/office/powerpoint/2010/main">
-    <mc:Choice Requires="p14">
+  <mc:AlternateContent xmlns:mc="http://schemas.openxmlformats.org/markup-compatibility/2006">
+    <mc:Choice xmlns:p14="http://schemas.microsoft.com/office/powerpoint/2010/main" Requires="p14">
       <p:transition spd="med" p14:dur="700">
         <p:fade/>
       </p:transition>
     </mc:Choice>
-    <mc:Fallback xmlns="">
-      <p:transition xmlns:p14="http://schemas.microsoft.com/office/powerpoint/2010/main" spd="med">
+    <mc:Fallback>
+      <p:transition spd="med">
         <p:fade/>
       </p:transition>
     </mc:Fallback>
@@ -6681,7 +7177,7 @@
           <a:p>
             <a:r>
               <a:rPr lang="en-US" dirty="0" smtClean="0"/>
-              <a:t>Policing</a:t>
+              <a:t>Repertoires of Contention</a:t>
             </a:r>
             <a:endParaRPr lang="en-US" dirty="0"/>
           </a:p>
@@ -6704,20 +7200,65 @@
           <a:p>
             <a:r>
               <a:rPr lang="en-US" dirty="0" smtClean="0"/>
-              <a:t>Different tactical options have different policing consequences</a:t>
+              <a:t>Historically constrained by three factors:</a:t>
             </a:r>
           </a:p>
           <a:p>
             <a:pPr lvl="1"/>
             <a:r>
               <a:rPr lang="en-US" dirty="0" smtClean="0"/>
-              <a:t>Some more harsh forms of protest, and those that aren’t negotiated in advance, invite harsher action from police.</a:t>
-            </a:r>
-          </a:p>
-          <a:p>
-            <a:r>
-              <a:rPr lang="en-US" dirty="0" smtClean="0"/>
-              <a:t>Leads to movements choosing one form over others</a:t>
+              <a:t>Social structure</a:t>
+            </a:r>
+          </a:p>
+          <a:p>
+            <a:pPr lvl="2"/>
+            <a:r>
+              <a:rPr lang="en-US" dirty="0" smtClean="0"/>
+              <a:t>Mostly labor strikes when we were agrarian </a:t>
+            </a:r>
+            <a:r>
+              <a:rPr lang="en-US" dirty="0" smtClean="0"/>
+              <a:t>society</a:t>
+            </a:r>
+          </a:p>
+          <a:p>
+            <a:pPr lvl="2"/>
+            <a:endParaRPr lang="en-US" dirty="0" smtClean="0"/>
+          </a:p>
+          <a:p>
+            <a:pPr lvl="1"/>
+            <a:r>
+              <a:rPr lang="en-US" dirty="0" smtClean="0"/>
+              <a:t>New movements with alternative goals</a:t>
+            </a:r>
+          </a:p>
+          <a:p>
+            <a:pPr lvl="2"/>
+            <a:r>
+              <a:rPr lang="en-US" dirty="0" smtClean="0"/>
+              <a:t>Conservative movements sought legal mobilization over street </a:t>
+            </a:r>
+            <a:r>
+              <a:rPr lang="en-US" dirty="0" smtClean="0"/>
+              <a:t>protest</a:t>
+            </a:r>
+          </a:p>
+          <a:p>
+            <a:pPr lvl="2"/>
+            <a:endParaRPr lang="en-US" dirty="0" smtClean="0"/>
+          </a:p>
+          <a:p>
+            <a:pPr lvl="1"/>
+            <a:r>
+              <a:rPr lang="en-US" dirty="0" smtClean="0"/>
+              <a:t>Technological developments</a:t>
+            </a:r>
+          </a:p>
+          <a:p>
+            <a:pPr lvl="2"/>
+            <a:r>
+              <a:rPr lang="en-US" dirty="0" smtClean="0"/>
+              <a:t>Email, radio, printing press, internet all create new possibilities for tactical change</a:t>
             </a:r>
             <a:endParaRPr lang="en-US" dirty="0"/>
           </a:p>
@@ -6726,21 +7267,21 @@
     </p:spTree>
     <p:extLst>
       <p:ext uri="{BB962C8B-B14F-4D97-AF65-F5344CB8AC3E}">
-        <p14:creationId xmlns:p14="http://schemas.microsoft.com/office/powerpoint/2010/main" val="4025059909"/>
+        <p14:creationId xmlns:p14="http://schemas.microsoft.com/office/powerpoint/2010/main" val="2490636963"/>
       </p:ext>
     </p:extLst>
   </p:cSld>
   <p:clrMapOvr>
     <a:masterClrMapping/>
   </p:clrMapOvr>
-  <mc:AlternateContent xmlns:mc="http://schemas.openxmlformats.org/markup-compatibility/2006" xmlns:p14="http://schemas.microsoft.com/office/powerpoint/2010/main">
-    <mc:Choice Requires="p14">
+  <mc:AlternateContent xmlns:mc="http://schemas.openxmlformats.org/markup-compatibility/2006">
+    <mc:Choice xmlns:p14="http://schemas.microsoft.com/office/powerpoint/2010/main" Requires="p14">
       <p:transition spd="med" p14:dur="700">
         <p:fade/>
       </p:transition>
     </mc:Choice>
-    <mc:Fallback xmlns="">
-      <p:transition xmlns:p14="http://schemas.microsoft.com/office/powerpoint/2010/main" spd="med">
+    <mc:Fallback>
+      <p:transition spd="med">
         <p:fade/>
       </p:transition>
     </mc:Fallback>
@@ -6777,6 +7318,258 @@
         </p:nvSpPr>
         <p:spPr/>
         <p:txBody>
+          <a:bodyPr/>
+          <a:lstStyle/>
+          <a:p>
+            <a:r>
+              <a:rPr lang="en-US" dirty="0" smtClean="0"/>
+              <a:t>Portrayals of the Movement</a:t>
+            </a:r>
+            <a:endParaRPr lang="en-US" dirty="0"/>
+          </a:p>
+        </p:txBody>
+      </p:sp>
+      <p:sp>
+        <p:nvSpPr>
+          <p:cNvPr id="3" name="Content Placeholder 2"/>
+          <p:cNvSpPr>
+            <a:spLocks noGrp="1"/>
+          </p:cNvSpPr>
+          <p:nvPr>
+            <p:ph sz="quarter" idx="1"/>
+          </p:nvPr>
+        </p:nvSpPr>
+        <p:spPr/>
+        <p:txBody>
+          <a:bodyPr/>
+          <a:lstStyle/>
+          <a:p>
+            <a:r>
+              <a:rPr lang="en-US" dirty="0" smtClean="0"/>
+              <a:t>Tactical options depend on how movement is defined by those in position to react to it</a:t>
+            </a:r>
+          </a:p>
+          <a:p>
+            <a:pPr lvl="1"/>
+            <a:r>
+              <a:rPr lang="en-US" dirty="0" smtClean="0"/>
+              <a:t>Public</a:t>
+            </a:r>
+          </a:p>
+          <a:p>
+            <a:pPr lvl="1"/>
+            <a:r>
+              <a:rPr lang="en-US" dirty="0" smtClean="0"/>
+              <a:t>Government</a:t>
+            </a:r>
+          </a:p>
+          <a:p>
+            <a:pPr lvl="1"/>
+            <a:endParaRPr lang="en-US" dirty="0"/>
+          </a:p>
+          <a:p>
+            <a:pPr lvl="1"/>
+            <a:r>
+              <a:rPr lang="en-US" dirty="0" smtClean="0"/>
+              <a:t>If viewed poorly, rioting will only further delegitimize the movement</a:t>
+            </a:r>
+            <a:endParaRPr lang="en-US" dirty="0"/>
+          </a:p>
+        </p:txBody>
+      </p:sp>
+      <p:pic>
+        <p:nvPicPr>
+          <p:cNvPr id="4" name="Picture 3"/>
+          <p:cNvPicPr>
+            <a:picLocks noChangeAspect="1"/>
+          </p:cNvPicPr>
+          <p:nvPr/>
+        </p:nvPicPr>
+        <p:blipFill>
+          <a:blip r:embed="rId2">
+            <a:extLst>
+              <a:ext uri="{28A0092B-C50C-407E-A947-70E740481C1C}">
+                <a14:useLocalDpi xmlns:a14="http://schemas.microsoft.com/office/drawing/2010/main" val="0"/>
+              </a:ext>
+            </a:extLst>
+          </a:blip>
+          <a:stretch>
+            <a:fillRect/>
+          </a:stretch>
+        </p:blipFill>
+        <p:spPr>
+          <a:xfrm>
+            <a:off x="3867149" y="3497262"/>
+            <a:ext cx="4388771" cy="3194050"/>
+          </a:xfrm>
+          <a:prstGeom prst="rect">
+            <a:avLst/>
+          </a:prstGeom>
+        </p:spPr>
+      </p:pic>
+    </p:spTree>
+    <p:extLst>
+      <p:ext uri="{BB962C8B-B14F-4D97-AF65-F5344CB8AC3E}">
+        <p14:creationId xmlns:p14="http://schemas.microsoft.com/office/powerpoint/2010/main" val="2918187648"/>
+      </p:ext>
+    </p:extLst>
+  </p:cSld>
+  <p:clrMapOvr>
+    <a:masterClrMapping/>
+  </p:clrMapOvr>
+  <mc:AlternateContent xmlns:mc="http://schemas.openxmlformats.org/markup-compatibility/2006">
+    <mc:Choice xmlns:p14="http://schemas.microsoft.com/office/powerpoint/2010/main" Requires="p14">
+      <p:transition spd="med" p14:dur="700">
+        <p:fade/>
+      </p:transition>
+    </mc:Choice>
+    <mc:Fallback>
+      <p:transition spd="med">
+        <p:fade/>
+      </p:transition>
+    </mc:Fallback>
+  </mc:AlternateContent>
+</p:sld>
+</file>
+
+<file path=ppt/slides/slide26.xml><?xml version="1.0" encoding="utf-8"?>
+<p:sld xmlns:a="http://schemas.openxmlformats.org/drawingml/2006/main" xmlns:r="http://schemas.openxmlformats.org/officeDocument/2006/relationships" xmlns:p="http://schemas.openxmlformats.org/presentationml/2006/main">
+  <p:cSld>
+    <p:spTree>
+      <p:nvGrpSpPr>
+        <p:cNvPr id="1" name=""/>
+        <p:cNvGrpSpPr/>
+        <p:nvPr/>
+      </p:nvGrpSpPr>
+      <p:grpSpPr>
+        <a:xfrm>
+          <a:off x="0" y="0"/>
+          <a:ext cx="0" cy="0"/>
+          <a:chOff x="0" y="0"/>
+          <a:chExt cx="0" cy="0"/>
+        </a:xfrm>
+      </p:grpSpPr>
+      <p:sp>
+        <p:nvSpPr>
+          <p:cNvPr id="2" name="Title 1"/>
+          <p:cNvSpPr>
+            <a:spLocks noGrp="1"/>
+          </p:cNvSpPr>
+          <p:nvPr>
+            <p:ph type="title"/>
+          </p:nvPr>
+        </p:nvSpPr>
+        <p:spPr/>
+        <p:txBody>
+          <a:bodyPr/>
+          <a:lstStyle/>
+          <a:p>
+            <a:r>
+              <a:rPr lang="en-US" dirty="0" smtClean="0"/>
+              <a:t>Policing</a:t>
+            </a:r>
+            <a:endParaRPr lang="en-US" dirty="0"/>
+          </a:p>
+        </p:txBody>
+      </p:sp>
+      <p:sp>
+        <p:nvSpPr>
+          <p:cNvPr id="3" name="Content Placeholder 2"/>
+          <p:cNvSpPr>
+            <a:spLocks noGrp="1"/>
+          </p:cNvSpPr>
+          <p:nvPr>
+            <p:ph sz="quarter" idx="1"/>
+          </p:nvPr>
+        </p:nvSpPr>
+        <p:spPr/>
+        <p:txBody>
+          <a:bodyPr/>
+          <a:lstStyle/>
+          <a:p>
+            <a:r>
+              <a:rPr lang="en-US" dirty="0" smtClean="0"/>
+              <a:t>Different tactical options have different policing consequences</a:t>
+            </a:r>
+          </a:p>
+          <a:p>
+            <a:pPr lvl="1"/>
+            <a:r>
+              <a:rPr lang="en-US" dirty="0" smtClean="0"/>
+              <a:t>Some more harsh forms of protest, and those that aren’t negotiated in advance, invite harsher action from police</a:t>
+            </a:r>
+            <a:r>
+              <a:rPr lang="en-US" dirty="0" smtClean="0"/>
+              <a:t>.</a:t>
+            </a:r>
+          </a:p>
+          <a:p>
+            <a:pPr lvl="1"/>
+            <a:endParaRPr lang="en-US" dirty="0" smtClean="0"/>
+          </a:p>
+          <a:p>
+            <a:r>
+              <a:rPr lang="en-US" dirty="0" smtClean="0"/>
+              <a:t>Leads to movements choosing one form over others</a:t>
+            </a:r>
+            <a:endParaRPr lang="en-US" dirty="0"/>
+          </a:p>
+        </p:txBody>
+      </p:sp>
+    </p:spTree>
+    <p:extLst>
+      <p:ext uri="{BB962C8B-B14F-4D97-AF65-F5344CB8AC3E}">
+        <p14:creationId xmlns:p14="http://schemas.microsoft.com/office/powerpoint/2010/main" val="4025059909"/>
+      </p:ext>
+    </p:extLst>
+  </p:cSld>
+  <p:clrMapOvr>
+    <a:masterClrMapping/>
+  </p:clrMapOvr>
+  <mc:AlternateContent xmlns:mc="http://schemas.openxmlformats.org/markup-compatibility/2006">
+    <mc:Choice xmlns:p14="http://schemas.microsoft.com/office/powerpoint/2010/main" Requires="p14">
+      <p:transition spd="med" p14:dur="700">
+        <p:fade/>
+      </p:transition>
+    </mc:Choice>
+    <mc:Fallback>
+      <p:transition spd="med">
+        <p:fade/>
+      </p:transition>
+    </mc:Fallback>
+  </mc:AlternateContent>
+</p:sld>
+</file>
+
+<file path=ppt/slides/slide27.xml><?xml version="1.0" encoding="utf-8"?>
+<p:sld xmlns:a="http://schemas.openxmlformats.org/drawingml/2006/main" xmlns:r="http://schemas.openxmlformats.org/officeDocument/2006/relationships" xmlns:p="http://schemas.openxmlformats.org/presentationml/2006/main">
+  <p:cSld>
+    <p:spTree>
+      <p:nvGrpSpPr>
+        <p:cNvPr id="1" name=""/>
+        <p:cNvGrpSpPr/>
+        <p:nvPr/>
+      </p:nvGrpSpPr>
+      <p:grpSpPr>
+        <a:xfrm>
+          <a:off x="0" y="0"/>
+          <a:ext cx="0" cy="0"/>
+          <a:chOff x="0" y="0"/>
+          <a:chExt cx="0" cy="0"/>
+        </a:xfrm>
+      </p:grpSpPr>
+      <p:sp>
+        <p:nvSpPr>
+          <p:cNvPr id="2" name="Title 1"/>
+          <p:cNvSpPr>
+            <a:spLocks noGrp="1"/>
+          </p:cNvSpPr>
+          <p:nvPr>
+            <p:ph type="title"/>
+          </p:nvPr>
+        </p:nvSpPr>
+        <p:spPr/>
+        <p:txBody>
           <a:bodyPr>
             <a:normAutofit/>
           </a:bodyPr>
@@ -6827,8 +7620,16 @@
             <a:pPr lvl="2"/>
             <a:r>
               <a:rPr lang="en-US" dirty="0" smtClean="0"/>
-              <a:t>disruption, gaining media attention</a:t>
-            </a:r>
+              <a:t>disruption, gaining media </a:t>
+            </a:r>
+            <a:r>
+              <a:rPr lang="en-US" dirty="0" smtClean="0"/>
+              <a:t>attention</a:t>
+            </a:r>
+          </a:p>
+          <a:p>
+            <a:pPr lvl="2"/>
+            <a:endParaRPr lang="en-US" dirty="0" smtClean="0"/>
           </a:p>
           <a:p>
             <a:r>
@@ -6847,8 +7648,16 @@
             <a:pPr lvl="2"/>
             <a:r>
               <a:rPr lang="en-US" dirty="0" smtClean="0"/>
-              <a:t>Authorities respond to offset power gained by SMO, then SMO adapts, using a new tactic</a:t>
-            </a:r>
+              <a:t>Authorities respond to offset power gained by SMO, then SMO adapts, using a new </a:t>
+            </a:r>
+            <a:r>
+              <a:rPr lang="en-US" dirty="0" smtClean="0"/>
+              <a:t>tactic</a:t>
+            </a:r>
+          </a:p>
+          <a:p>
+            <a:pPr lvl="2"/>
+            <a:endParaRPr lang="en-US" dirty="0" smtClean="0"/>
           </a:p>
           <a:p>
             <a:r>
@@ -6860,7 +7669,15 @@
             <a:pPr lvl="1"/>
             <a:r>
               <a:rPr lang="en-US" dirty="0" smtClean="0"/>
-              <a:t>Spread or flow of tactic/information about tactic through social system by actors</a:t>
+              <a:t>Spread or flow of tactic/information </a:t>
+            </a:r>
+            <a:r>
+              <a:rPr lang="en-US" dirty="0" smtClean="0"/>
+              <a:t>about new </a:t>
+            </a:r>
+            <a:r>
+              <a:rPr lang="en-US" dirty="0" smtClean="0"/>
+              <a:t>tactic through social system by actors</a:t>
             </a:r>
           </a:p>
           <a:p>
@@ -6882,14 +7699,14 @@
   <p:clrMapOvr>
     <a:masterClrMapping/>
   </p:clrMapOvr>
-  <mc:AlternateContent xmlns:mc="http://schemas.openxmlformats.org/markup-compatibility/2006" xmlns:p14="http://schemas.microsoft.com/office/powerpoint/2010/main">
-    <mc:Choice Requires="p14">
+  <mc:AlternateContent xmlns:mc="http://schemas.openxmlformats.org/markup-compatibility/2006">
+    <mc:Choice xmlns:p14="http://schemas.microsoft.com/office/powerpoint/2010/main" Requires="p14">
       <p:transition spd="med" p14:dur="700">
         <p:fade/>
       </p:transition>
     </mc:Choice>
-    <mc:Fallback xmlns="">
-      <p:transition xmlns:p14="http://schemas.microsoft.com/office/powerpoint/2010/main" spd="med">
+    <mc:Fallback>
+      <p:transition spd="med">
         <p:fade/>
       </p:transition>
     </mc:Fallback>
@@ -6926,14 +7743,16 @@
         </p:nvSpPr>
         <p:spPr/>
         <p:txBody>
-          <a:bodyPr>
-            <a:normAutofit/>
-          </a:bodyPr>
-          <a:lstStyle/>
-          <a:p>
-            <a:r>
-              <a:rPr lang="en-US" dirty="0" smtClean="0"/>
-              <a:t>Understanding Movement Dynamics</a:t>
+          <a:bodyPr/>
+          <a:lstStyle/>
+          <a:p>
+            <a:r>
+              <a:rPr lang="en-US" dirty="0" smtClean="0"/>
+              <a:t>Social Movement Dynamics </a:t>
+            </a:r>
+            <a:r>
+              <a:rPr lang="en-US" dirty="0" smtClean="0"/>
+              <a:t>and Tactics</a:t>
             </a:r>
             <a:endParaRPr lang="en-US" dirty="0"/>
           </a:p>
@@ -6956,65 +7775,45 @@
           <a:p>
             <a:r>
               <a:rPr lang="en-US" dirty="0" smtClean="0"/>
-              <a:t>Must understand the interactions in which they’re embedded</a:t>
-            </a:r>
+              <a:t>What do movements do after they emerge? </a:t>
+            </a:r>
+            <a:endParaRPr lang="en-US" dirty="0" smtClean="0"/>
           </a:p>
           <a:p>
             <a:pPr lvl="1"/>
             <a:r>
               <a:rPr lang="en-US" dirty="0" smtClean="0"/>
-              <a:t>Authorities</a:t>
-            </a:r>
+              <a:t>Interact with their local environment</a:t>
+            </a:r>
+            <a:endParaRPr lang="en-US" dirty="0" smtClean="0"/>
           </a:p>
           <a:p>
             <a:pPr lvl="1"/>
             <a:r>
               <a:rPr lang="en-US" dirty="0" smtClean="0"/>
-              <a:t>Businesses</a:t>
-            </a:r>
-          </a:p>
-          <a:p>
-            <a:pPr lvl="1"/>
-            <a:r>
-              <a:rPr lang="en-US" dirty="0" smtClean="0"/>
-              <a:t>Allied or Oppositional Movements</a:t>
-            </a:r>
-          </a:p>
-          <a:p>
-            <a:r>
-              <a:rPr lang="en-US" dirty="0" smtClean="0"/>
-              <a:t>And where these interactions take place</a:t>
-            </a:r>
-            <a:endParaRPr lang="en-US" dirty="0"/>
-          </a:p>
-          <a:p>
-            <a:pPr lvl="1"/>
-            <a:r>
-              <a:rPr lang="en-US" dirty="0" smtClean="0"/>
-              <a:t>Environments</a:t>
-            </a:r>
-            <a:endParaRPr lang="en-US" dirty="0"/>
+              <a:t>Change</a:t>
+            </a:r>
           </a:p>
         </p:txBody>
       </p:sp>
     </p:spTree>
     <p:extLst>
       <p:ext uri="{BB962C8B-B14F-4D97-AF65-F5344CB8AC3E}">
-        <p14:creationId xmlns:p14="http://schemas.microsoft.com/office/powerpoint/2010/main" val="2157697673"/>
+        <p14:creationId xmlns:p14="http://schemas.microsoft.com/office/powerpoint/2010/main" val="304594498"/>
       </p:ext>
     </p:extLst>
   </p:cSld>
   <p:clrMapOvr>
     <a:masterClrMapping/>
   </p:clrMapOvr>
-  <mc:AlternateContent xmlns:mc="http://schemas.openxmlformats.org/markup-compatibility/2006" xmlns:p14="http://schemas.microsoft.com/office/powerpoint/2010/main">
-    <mc:Choice Requires="p14">
+  <mc:AlternateContent xmlns:mc="http://schemas.openxmlformats.org/markup-compatibility/2006">
+    <mc:Choice xmlns:p14="http://schemas.microsoft.com/office/powerpoint/2010/main" Requires="p14">
       <p:transition spd="med" p14:dur="700">
         <p:fade/>
       </p:transition>
     </mc:Choice>
-    <mc:Fallback xmlns="">
-      <p:transition xmlns:p14="http://schemas.microsoft.com/office/powerpoint/2010/main" spd="med">
+    <mc:Fallback>
+      <p:transition spd="med">
         <p:fade/>
       </p:transition>
     </mc:Fallback>
@@ -7051,12 +7850,18 @@
         </p:nvSpPr>
         <p:spPr/>
         <p:txBody>
-          <a:bodyPr/>
-          <a:lstStyle/>
-          <a:p>
-            <a:r>
-              <a:rPr lang="en-US" dirty="0" smtClean="0"/>
-              <a:t>Questions on Dynamics and Tactics</a:t>
+          <a:bodyPr>
+            <a:normAutofit/>
+          </a:bodyPr>
+          <a:lstStyle/>
+          <a:p>
+            <a:r>
+              <a:rPr lang="en-US" dirty="0"/>
+              <a:t>Social Movement </a:t>
+            </a:r>
+            <a:r>
+              <a:rPr lang="en-US" dirty="0" smtClean="0"/>
+              <a:t>Dynamics</a:t>
             </a:r>
             <a:endParaRPr lang="en-US" dirty="0"/>
           </a:p>
@@ -7079,25 +7884,59 @@
           <a:p>
             <a:r>
               <a:rPr lang="en-US" dirty="0" smtClean="0"/>
-              <a:t>What do movements do after they emerge? </a:t>
-            </a:r>
+              <a:t>The interactions </a:t>
+            </a:r>
+            <a:r>
+              <a:rPr lang="en-US" dirty="0" smtClean="0"/>
+              <a:t>in which </a:t>
+            </a:r>
+            <a:r>
+              <a:rPr lang="en-US" dirty="0" smtClean="0"/>
+              <a:t>social movements are embedded…</a:t>
+            </a:r>
+            <a:endParaRPr lang="en-US" dirty="0" smtClean="0"/>
           </a:p>
           <a:p>
             <a:pPr lvl="1"/>
             <a:r>
               <a:rPr lang="en-US" dirty="0" smtClean="0"/>
-              <a:t>Change</a:t>
+              <a:t>Authorities</a:t>
             </a:r>
           </a:p>
           <a:p>
             <a:pPr lvl="1"/>
             <a:r>
               <a:rPr lang="en-US" dirty="0" smtClean="0"/>
-              <a:t>Interact in their local environment</a:t>
+              <a:t>Businesses</a:t>
             </a:r>
           </a:p>
           <a:p>
             <a:pPr lvl="1"/>
+            <a:r>
+              <a:rPr lang="en-US" dirty="0" smtClean="0"/>
+              <a:t>Allied or Oppositional Movements</a:t>
+            </a:r>
+          </a:p>
+          <a:p>
+            <a:endParaRPr lang="en-US" dirty="0" smtClean="0"/>
+          </a:p>
+          <a:p>
+            <a:r>
+              <a:rPr lang="en-US" dirty="0" smtClean="0"/>
+              <a:t>…and </a:t>
+            </a:r>
+            <a:r>
+              <a:rPr lang="en-US" dirty="0" smtClean="0"/>
+              <a:t>where these interactions take place</a:t>
+            </a:r>
+            <a:endParaRPr lang="en-US" dirty="0"/>
+          </a:p>
+          <a:p>
+            <a:pPr lvl="1"/>
+            <a:r>
+              <a:rPr lang="en-US" dirty="0" smtClean="0"/>
+              <a:t>Environments</a:t>
+            </a:r>
             <a:endParaRPr lang="en-US" dirty="0"/>
           </a:p>
         </p:txBody>
@@ -7105,21 +7944,21 @@
     </p:spTree>
     <p:extLst>
       <p:ext uri="{BB962C8B-B14F-4D97-AF65-F5344CB8AC3E}">
-        <p14:creationId xmlns:p14="http://schemas.microsoft.com/office/powerpoint/2010/main" val="2479529790"/>
+        <p14:creationId xmlns:p14="http://schemas.microsoft.com/office/powerpoint/2010/main" val="2157697673"/>
       </p:ext>
     </p:extLst>
   </p:cSld>
   <p:clrMapOvr>
     <a:masterClrMapping/>
   </p:clrMapOvr>
-  <mc:AlternateContent xmlns:mc="http://schemas.openxmlformats.org/markup-compatibility/2006" xmlns:p14="http://schemas.microsoft.com/office/powerpoint/2010/main">
-    <mc:Choice Requires="p14">
+  <mc:AlternateContent xmlns:mc="http://schemas.openxmlformats.org/markup-compatibility/2006">
+    <mc:Choice xmlns:p14="http://schemas.microsoft.com/office/powerpoint/2010/main" Requires="p14">
       <p:transition spd="med" p14:dur="700">
         <p:fade/>
       </p:transition>
     </mc:Choice>
-    <mc:Fallback xmlns="">
-      <p:transition xmlns:p14="http://schemas.microsoft.com/office/powerpoint/2010/main" spd="med">
+    <mc:Fallback>
+      <p:transition spd="med">
         <p:fade/>
       </p:transition>
     </mc:Fallback>
@@ -7160,8 +7999,16 @@
           <a:lstStyle/>
           <a:p>
             <a:r>
-              <a:rPr lang="en-US" dirty="0" smtClean="0"/>
-              <a:t>Organizational Environments</a:t>
+              <a:rPr lang="en-US" dirty="0"/>
+              <a:t>Social Movement </a:t>
+            </a:r>
+            <a:r>
+              <a:rPr lang="en-US" dirty="0" smtClean="0"/>
+              <a:t>Dynamics: Organizational </a:t>
+            </a:r>
+            <a:r>
+              <a:rPr lang="en-US" dirty="0" smtClean="0"/>
+              <a:t>Environments</a:t>
             </a:r>
             <a:endParaRPr lang="en-US" dirty="0"/>
           </a:p>
@@ -7190,13 +8037,25 @@
           <a:p>
             <a:r>
               <a:rPr lang="en-US" dirty="0" smtClean="0"/>
-              <a:t>Social Movement Sectors (SMS)</a:t>
-            </a:r>
-          </a:p>
-          <a:p>
-            <a:r>
-              <a:rPr lang="en-US" dirty="0" smtClean="0"/>
-              <a:t>Social Movement Industries (SMI)</a:t>
+              <a:t>Social </a:t>
+            </a:r>
+            <a:r>
+              <a:rPr lang="en-US" dirty="0" smtClean="0"/>
+              <a:t>Movement Industries (SMI</a:t>
+            </a:r>
+            <a:r>
+              <a:rPr lang="en-US" dirty="0" smtClean="0"/>
+              <a:t>)</a:t>
+            </a:r>
+          </a:p>
+          <a:p>
+            <a:r>
+              <a:rPr lang="en-US" dirty="0"/>
+              <a:t>Social Movement Sectors (SMS</a:t>
+            </a:r>
+            <a:r>
+              <a:rPr lang="en-US" dirty="0" smtClean="0"/>
+              <a:t>)</a:t>
             </a:r>
             <a:endParaRPr lang="en-US" dirty="0"/>
           </a:p>
@@ -7212,14 +8071,14 @@
   <p:clrMapOvr>
     <a:masterClrMapping/>
   </p:clrMapOvr>
-  <mc:AlternateContent xmlns:mc="http://schemas.openxmlformats.org/markup-compatibility/2006" xmlns:p14="http://schemas.microsoft.com/office/powerpoint/2010/main">
-    <mc:Choice Requires="p14">
+  <mc:AlternateContent xmlns:mc="http://schemas.openxmlformats.org/markup-compatibility/2006">
+    <mc:Choice xmlns:p14="http://schemas.microsoft.com/office/powerpoint/2010/main" Requires="p14">
       <p:transition spd="med" p14:dur="700">
         <p:fade/>
       </p:transition>
     </mc:Choice>
-    <mc:Fallback xmlns="">
-      <p:transition xmlns:p14="http://schemas.microsoft.com/office/powerpoint/2010/main" spd="med">
+    <mc:Fallback>
+      <p:transition spd="med">
         <p:fade/>
       </p:transition>
     </mc:Fallback>
@@ -7296,6 +8155,36 @@
           </a:p>
         </p:txBody>
       </p:sp>
+      <p:pic>
+        <p:nvPicPr>
+          <p:cNvPr id="4" name="Picture 3"/>
+          <p:cNvPicPr>
+            <a:picLocks noChangeAspect="1"/>
+          </p:cNvPicPr>
+          <p:nvPr/>
+        </p:nvPicPr>
+        <p:blipFill>
+          <a:blip r:embed="rId3">
+            <a:extLst>
+              <a:ext uri="{28A0092B-C50C-407E-A947-70E740481C1C}">
+                <a14:useLocalDpi xmlns:a14="http://schemas.microsoft.com/office/drawing/2010/main" val="0"/>
+              </a:ext>
+            </a:extLst>
+          </a:blip>
+          <a:stretch>
+            <a:fillRect/>
+          </a:stretch>
+        </p:blipFill>
+        <p:spPr>
+          <a:xfrm>
+            <a:off x="4389782" y="2743200"/>
+            <a:ext cx="3733800" cy="3733800"/>
+          </a:xfrm>
+          <a:prstGeom prst="rect">
+            <a:avLst/>
+          </a:prstGeom>
+        </p:spPr>
+      </p:pic>
     </p:spTree>
     <p:extLst>
       <p:ext uri="{BB962C8B-B14F-4D97-AF65-F5344CB8AC3E}">
@@ -7306,14 +8195,14 @@
   <p:clrMapOvr>
     <a:masterClrMapping/>
   </p:clrMapOvr>
-  <mc:AlternateContent xmlns:mc="http://schemas.openxmlformats.org/markup-compatibility/2006" xmlns:p14="http://schemas.microsoft.com/office/powerpoint/2010/main">
-    <mc:Choice Requires="p14">
+  <mc:AlternateContent xmlns:mc="http://schemas.openxmlformats.org/markup-compatibility/2006">
+    <mc:Choice xmlns:p14="http://schemas.microsoft.com/office/powerpoint/2010/main" Requires="p14">
       <p:transition spd="med" p14:dur="700">
         <p:fade/>
       </p:transition>
     </mc:Choice>
-    <mc:Fallback xmlns="">
-      <p:transition xmlns:p14="http://schemas.microsoft.com/office/powerpoint/2010/main" spd="med">
+    <mc:Fallback>
+      <p:transition spd="med">
         <p:fade/>
       </p:transition>
     </mc:Fallback>
@@ -7378,10 +8267,12 @@
           <a:p>
             <a:r>
               <a:rPr lang="en-US" dirty="0" smtClean="0"/>
-              <a:t>All SMOs in the same geographic vicinity working on similar issues</a:t>
-            </a:r>
-          </a:p>
-          <a:p>
+              <a:t>All SMOs in the same geographic vicinity working on similar </a:t>
+            </a:r>
+            <a:r>
+              <a:rPr lang="en-US" dirty="0" smtClean="0"/>
+              <a:t>issues</a:t>
+            </a:r>
             <a:endParaRPr lang="en-US" dirty="0"/>
           </a:p>
           <a:p>
@@ -7394,6 +8285,126 @@
           </a:p>
         </p:txBody>
       </p:sp>
+      <p:pic>
+        <p:nvPicPr>
+          <p:cNvPr id="4" name="Picture 3"/>
+          <p:cNvPicPr>
+            <a:picLocks noChangeAspect="1"/>
+          </p:cNvPicPr>
+          <p:nvPr/>
+        </p:nvPicPr>
+        <p:blipFill>
+          <a:blip r:embed="rId2">
+            <a:extLst>
+              <a:ext uri="{28A0092B-C50C-407E-A947-70E740481C1C}">
+                <a14:useLocalDpi xmlns:a14="http://schemas.microsoft.com/office/drawing/2010/main" val="0"/>
+              </a:ext>
+            </a:extLst>
+          </a:blip>
+          <a:stretch>
+            <a:fillRect/>
+          </a:stretch>
+        </p:blipFill>
+        <p:spPr>
+          <a:xfrm>
+            <a:off x="1025819" y="3848100"/>
+            <a:ext cx="1787096" cy="1695450"/>
+          </a:xfrm>
+          <a:prstGeom prst="rect">
+            <a:avLst/>
+          </a:prstGeom>
+        </p:spPr>
+      </p:pic>
+      <p:pic>
+        <p:nvPicPr>
+          <p:cNvPr id="5" name="Picture 4"/>
+          <p:cNvPicPr>
+            <a:picLocks noChangeAspect="1"/>
+          </p:cNvPicPr>
+          <p:nvPr/>
+        </p:nvPicPr>
+        <p:blipFill>
+          <a:blip r:embed="rId3">
+            <a:extLst>
+              <a:ext uri="{28A0092B-C50C-407E-A947-70E740481C1C}">
+                <a14:useLocalDpi xmlns:a14="http://schemas.microsoft.com/office/drawing/2010/main" val="0"/>
+              </a:ext>
+            </a:extLst>
+          </a:blip>
+          <a:stretch>
+            <a:fillRect/>
+          </a:stretch>
+        </p:blipFill>
+        <p:spPr>
+          <a:xfrm>
+            <a:off x="3725647" y="2667257"/>
+            <a:ext cx="1649413" cy="1523743"/>
+          </a:xfrm>
+          <a:prstGeom prst="rect">
+            <a:avLst/>
+          </a:prstGeom>
+        </p:spPr>
+      </p:pic>
+      <p:pic>
+        <p:nvPicPr>
+          <p:cNvPr id="6" name="Picture 5"/>
+          <p:cNvPicPr>
+            <a:picLocks noChangeAspect="1"/>
+          </p:cNvPicPr>
+          <p:nvPr/>
+        </p:nvPicPr>
+        <p:blipFill>
+          <a:blip r:embed="rId4">
+            <a:extLst>
+              <a:ext uri="{28A0092B-C50C-407E-A947-70E740481C1C}">
+                <a14:useLocalDpi xmlns:a14="http://schemas.microsoft.com/office/drawing/2010/main" val="0"/>
+              </a:ext>
+            </a:extLst>
+          </a:blip>
+          <a:stretch>
+            <a:fillRect/>
+          </a:stretch>
+        </p:blipFill>
+        <p:spPr>
+          <a:xfrm>
+            <a:off x="6596062" y="2971800"/>
+            <a:ext cx="4572000" cy="876300"/>
+          </a:xfrm>
+          <a:prstGeom prst="rect">
+            <a:avLst/>
+          </a:prstGeom>
+        </p:spPr>
+      </p:pic>
+      <p:pic>
+        <p:nvPicPr>
+          <p:cNvPr id="7" name="Picture 6"/>
+          <p:cNvPicPr>
+            <a:picLocks noChangeAspect="1"/>
+          </p:cNvPicPr>
+          <p:nvPr/>
+        </p:nvPicPr>
+        <p:blipFill>
+          <a:blip r:embed="rId5">
+            <a:extLst>
+              <a:ext uri="{28A0092B-C50C-407E-A947-70E740481C1C}">
+                <a14:useLocalDpi xmlns:a14="http://schemas.microsoft.com/office/drawing/2010/main" val="0"/>
+              </a:ext>
+            </a:extLst>
+          </a:blip>
+          <a:stretch>
+            <a:fillRect/>
+          </a:stretch>
+        </p:blipFill>
+        <p:spPr>
+          <a:xfrm>
+            <a:off x="6596062" y="4191000"/>
+            <a:ext cx="2743200" cy="2286000"/>
+          </a:xfrm>
+          <a:prstGeom prst="rect">
+            <a:avLst/>
+          </a:prstGeom>
+        </p:spPr>
+      </p:pic>
     </p:spTree>
     <p:extLst>
       <p:ext uri="{BB962C8B-B14F-4D97-AF65-F5344CB8AC3E}">
@@ -7404,14 +8415,14 @@
   <p:clrMapOvr>
     <a:masterClrMapping/>
   </p:clrMapOvr>
-  <mc:AlternateContent xmlns:mc="http://schemas.openxmlformats.org/markup-compatibility/2006" xmlns:p14="http://schemas.microsoft.com/office/powerpoint/2010/main">
-    <mc:Choice Requires="p14">
+  <mc:AlternateContent xmlns:mc="http://schemas.openxmlformats.org/markup-compatibility/2006">
+    <mc:Choice xmlns:p14="http://schemas.microsoft.com/office/powerpoint/2010/main" Requires="p14">
       <p:transition spd="med" p14:dur="700">
         <p:fade/>
       </p:transition>
     </mc:Choice>
-    <mc:Fallback xmlns="">
-      <p:transition xmlns:p14="http://schemas.microsoft.com/office/powerpoint/2010/main" spd="med">
+    <mc:Fallback>
+      <p:transition spd="med">
         <p:fade/>
       </p:transition>
     </mc:Fallback>
@@ -7484,6 +8495,66 @@
           </a:p>
         </p:txBody>
       </p:sp>
+      <p:pic>
+        <p:nvPicPr>
+          <p:cNvPr id="4" name="Picture 3"/>
+          <p:cNvPicPr>
+            <a:picLocks noChangeAspect="1"/>
+          </p:cNvPicPr>
+          <p:nvPr/>
+        </p:nvPicPr>
+        <p:blipFill>
+          <a:blip r:embed="rId2">
+            <a:extLst>
+              <a:ext uri="{28A0092B-C50C-407E-A947-70E740481C1C}">
+                <a14:useLocalDpi xmlns:a14="http://schemas.microsoft.com/office/drawing/2010/main" val="0"/>
+              </a:ext>
+            </a:extLst>
+          </a:blip>
+          <a:stretch>
+            <a:fillRect/>
+          </a:stretch>
+        </p:blipFill>
+        <p:spPr>
+          <a:xfrm>
+            <a:off x="1514474" y="4468967"/>
+            <a:ext cx="9862011" cy="2254799"/>
+          </a:xfrm>
+          <a:prstGeom prst="rect">
+            <a:avLst/>
+          </a:prstGeom>
+        </p:spPr>
+      </p:pic>
+      <p:pic>
+        <p:nvPicPr>
+          <p:cNvPr id="5" name="Picture 4"/>
+          <p:cNvPicPr>
+            <a:picLocks noChangeAspect="1"/>
+          </p:cNvPicPr>
+          <p:nvPr/>
+        </p:nvPicPr>
+        <p:blipFill>
+          <a:blip r:embed="rId3">
+            <a:extLst>
+              <a:ext uri="{28A0092B-C50C-407E-A947-70E740481C1C}">
+                <a14:useLocalDpi xmlns:a14="http://schemas.microsoft.com/office/drawing/2010/main" val="0"/>
+              </a:ext>
+            </a:extLst>
+          </a:blip>
+          <a:stretch>
+            <a:fillRect/>
+          </a:stretch>
+        </p:blipFill>
+        <p:spPr>
+          <a:xfrm>
+            <a:off x="1514474" y="2125028"/>
+            <a:ext cx="9862011" cy="2305839"/>
+          </a:xfrm>
+          <a:prstGeom prst="rect">
+            <a:avLst/>
+          </a:prstGeom>
+        </p:spPr>
+      </p:pic>
     </p:spTree>
     <p:extLst>
       <p:ext uri="{BB962C8B-B14F-4D97-AF65-F5344CB8AC3E}">
@@ -7494,14 +8565,14 @@
   <p:clrMapOvr>
     <a:masterClrMapping/>
   </p:clrMapOvr>
-  <mc:AlternateContent xmlns:mc="http://schemas.openxmlformats.org/markup-compatibility/2006" xmlns:p14="http://schemas.microsoft.com/office/powerpoint/2010/main">
-    <mc:Choice Requires="p14">
+  <mc:AlternateContent xmlns:mc="http://schemas.openxmlformats.org/markup-compatibility/2006">
+    <mc:Choice xmlns:p14="http://schemas.microsoft.com/office/powerpoint/2010/main" Requires="p14">
       <p:transition spd="med" p14:dur="700">
         <p:fade/>
       </p:transition>
     </mc:Choice>
-    <mc:Fallback xmlns="">
-      <p:transition xmlns:p14="http://schemas.microsoft.com/office/powerpoint/2010/main" spd="med">
+    <mc:Fallback>
+      <p:transition spd="med">
         <p:fade/>
       </p:transition>
     </mc:Fallback>
@@ -7538,14 +8609,12 @@
         </p:nvSpPr>
         <p:spPr/>
         <p:txBody>
-          <a:bodyPr>
-            <a:normAutofit/>
-          </a:bodyPr>
-          <a:lstStyle/>
-          <a:p>
-            <a:r>
-              <a:rPr lang="en-US" dirty="0" smtClean="0"/>
-              <a:t>How do movements change?</a:t>
+          <a:bodyPr/>
+          <a:lstStyle/>
+          <a:p>
+            <a:r>
+              <a:rPr lang="en-US" dirty="0" smtClean="0"/>
+              <a:t>How do movements interact?</a:t>
             </a:r>
             <a:endParaRPr lang="en-US" dirty="0"/>
           </a:p>
@@ -7568,28 +8637,14 @@
           <a:p>
             <a:r>
               <a:rPr lang="en-US" dirty="0" smtClean="0"/>
-              <a:t>Organizational Life</a:t>
-            </a:r>
-          </a:p>
-          <a:p>
-            <a:r>
-              <a:rPr lang="en-US" dirty="0" smtClean="0"/>
-              <a:t>Leadership</a:t>
-            </a:r>
-          </a:p>
-          <a:p>
-            <a:r>
-              <a:rPr lang="en-US" dirty="0" smtClean="0"/>
-              <a:t>Organizational Forms</a:t>
-            </a:r>
-          </a:p>
-          <a:p>
-            <a:endParaRPr lang="en-US" dirty="0" smtClean="0"/>
-          </a:p>
-          <a:p>
-            <a:endParaRPr lang="en-US" dirty="0" smtClean="0"/>
-          </a:p>
-          <a:p>
+              <a:t>Coalitions</a:t>
+            </a:r>
+          </a:p>
+          <a:p>
+            <a:r>
+              <a:rPr lang="en-US" dirty="0" smtClean="0"/>
+              <a:t>Conflict</a:t>
+            </a:r>
             <a:endParaRPr lang="en-US" dirty="0"/>
           </a:p>
         </p:txBody>
@@ -7597,21 +8652,21 @@
     </p:spTree>
     <p:extLst>
       <p:ext uri="{BB962C8B-B14F-4D97-AF65-F5344CB8AC3E}">
-        <p14:creationId xmlns:p14="http://schemas.microsoft.com/office/powerpoint/2010/main" val="1607467375"/>
+        <p14:creationId xmlns:p14="http://schemas.microsoft.com/office/powerpoint/2010/main" val="1677906245"/>
       </p:ext>
     </p:extLst>
   </p:cSld>
   <p:clrMapOvr>
     <a:masterClrMapping/>
   </p:clrMapOvr>
-  <mc:AlternateContent xmlns:mc="http://schemas.openxmlformats.org/markup-compatibility/2006" xmlns:p14="http://schemas.microsoft.com/office/powerpoint/2010/main">
-    <mc:Choice Requires="p14">
+  <mc:AlternateContent xmlns:mc="http://schemas.openxmlformats.org/markup-compatibility/2006">
+    <mc:Choice xmlns:p14="http://schemas.microsoft.com/office/powerpoint/2010/main" Requires="p14">
       <p:transition spd="med" p14:dur="700">
         <p:fade/>
       </p:transition>
     </mc:Choice>
-    <mc:Fallback xmlns="">
-      <p:transition xmlns:p14="http://schemas.microsoft.com/office/powerpoint/2010/main" spd="med">
+    <mc:Fallback>
+      <p:transition spd="med">
         <p:fade/>
       </p:transition>
     </mc:Fallback>
